--- a/03-faster_feedback_with_unit_testing.pptx
+++ b/03-faster_feedback_with_unit_testing.pptx
@@ -9711,7 +9711,11 @@
           <a:bodyPr/>
           <a:lstStyle/>
           <a:p>
-            <a:endParaRPr lang="en-US"/>
+            <a:r>
+              <a:rPr lang="en-US" dirty="0" smtClean="0"/>
+              <a:t>Create Two Pending Tests</a:t>
+            </a:r>
+            <a:endParaRPr lang="en-US" dirty="0"/>
           </a:p>
         </p:txBody>
       </p:sp>
@@ -10087,10 +10091,16 @@
         </p:nvSpPr>
         <p:spPr/>
         <p:txBody>
-          <a:bodyPr/>
+          <a:bodyPr>
+            <a:normAutofit fontScale="90000"/>
+          </a:bodyPr>
           <a:lstStyle/>
           <a:p>
-            <a:endParaRPr lang="en-US"/>
+            <a:r>
+              <a:rPr lang="en-US" dirty="0" smtClean="0"/>
+              <a:t>Execute the Tests to See the Pending Tests</a:t>
+            </a:r>
+            <a:endParaRPr lang="en-US" dirty="0"/>
           </a:p>
         </p:txBody>
       </p:sp>
@@ -10278,7 +10288,11 @@
           <a:bodyPr/>
           <a:lstStyle/>
           <a:p>
-            <a:endParaRPr lang="en-US"/>
+            <a:r>
+              <a:rPr lang="en-US" dirty="0" smtClean="0"/>
+              <a:t>View the Results to See the Pending Tests</a:t>
+            </a:r>
+            <a:endParaRPr lang="en-US" dirty="0"/>
           </a:p>
         </p:txBody>
       </p:sp>
@@ -10471,6 +10485,10 @@
           </a:bodyPr>
           <a:lstStyle/>
           <a:p>
+            <a:r>
+              <a:rPr lang="en-US" dirty="0"/>
+              <a:t>Faster Feedback While Developing Cookbooks</a:t>
+            </a:r>
             <a:endParaRPr lang="en-US" dirty="0"/>
           </a:p>
         </p:txBody>
@@ -10490,6 +10508,14 @@
           <a:bodyPr/>
           <a:lstStyle/>
           <a:p>
+            <a:r>
+              <a:rPr lang="en-US" dirty="0"/>
+              <a:t>The faster the feedback from our tests, the more likely we are to run them. The more likely we are to run them means they will catch more issues</a:t>
+            </a:r>
+            <a:r>
+              <a:rPr lang="en-US" dirty="0" smtClean="0"/>
+              <a:t>.</a:t>
+            </a:r>
             <a:endParaRPr lang="en-US" dirty="0"/>
           </a:p>
         </p:txBody>
@@ -10604,10 +10630,16 @@
         </p:nvSpPr>
         <p:spPr/>
         <p:txBody>
-          <a:bodyPr/>
+          <a:bodyPr>
+            <a:normAutofit fontScale="90000"/>
+          </a:bodyPr>
           <a:lstStyle/>
           <a:p>
-            <a:endParaRPr lang="en-US"/>
+            <a:r>
+              <a:rPr lang="en-US" dirty="0" smtClean="0"/>
+              <a:t>Write the Test that Verifies the Include Recipe</a:t>
+            </a:r>
+            <a:endParaRPr lang="en-US" dirty="0"/>
           </a:p>
         </p:txBody>
       </p:sp>
@@ -11044,7 +11076,11 @@
           <a:bodyPr/>
           <a:lstStyle/>
           <a:p>
-            <a:endParaRPr lang="en-US"/>
+            <a:r>
+              <a:rPr lang="en-US" dirty="0" smtClean="0"/>
+              <a:t>Execute the Tests to See the Failure</a:t>
+            </a:r>
+            <a:endParaRPr lang="en-US" dirty="0"/>
           </a:p>
         </p:txBody>
       </p:sp>
@@ -11098,6 +11134,10 @@
           </a:bodyPr>
           <a:lstStyle/>
           <a:p>
+            <a:r>
+              <a:rPr lang="en-US" dirty="0"/>
+              <a:t>Faster Feedback While Developing Cookbooks</a:t>
+            </a:r>
             <a:endParaRPr lang="en-US" dirty="0"/>
           </a:p>
         </p:txBody>
@@ -11117,6 +11157,14 @@
           <a:bodyPr/>
           <a:lstStyle/>
           <a:p>
+            <a:r>
+              <a:rPr lang="en-US" dirty="0"/>
+              <a:t>The faster the feedback from our tests, the more likely we are to run them. The more likely we are to run them means they will catch more issues</a:t>
+            </a:r>
+            <a:r>
+              <a:rPr lang="en-US" dirty="0" smtClean="0"/>
+              <a:t>.</a:t>
+            </a:r>
             <a:endParaRPr lang="en-US" dirty="0"/>
           </a:p>
         </p:txBody>
@@ -11231,10 +11279,16 @@
         </p:nvSpPr>
         <p:spPr/>
         <p:txBody>
-          <a:bodyPr/>
+          <a:bodyPr>
+            <a:normAutofit/>
+          </a:bodyPr>
           <a:lstStyle/>
           <a:p>
-            <a:endParaRPr lang="en-US"/>
+            <a:r>
+              <a:rPr lang="en-US" dirty="0" smtClean="0"/>
+              <a:t>Uncomment the Include Recipe</a:t>
+            </a:r>
+            <a:endParaRPr lang="en-US" dirty="0"/>
           </a:p>
         </p:txBody>
       </p:sp>
@@ -11574,7 +11628,15 @@
           <a:bodyPr/>
           <a:lstStyle/>
           <a:p>
-            <a:endParaRPr lang="en-US"/>
+            <a:r>
+              <a:rPr lang="en-US" dirty="0" smtClean="0"/>
+              <a:t>Execut</a:t>
+            </a:r>
+            <a:r>
+              <a:rPr lang="en-US" dirty="0" smtClean="0"/>
+              <a:t>e the Tests to See it Pass</a:t>
+            </a:r>
+            <a:endParaRPr lang="en-US" dirty="0"/>
           </a:p>
         </p:txBody>
       </p:sp>
@@ -11750,6 +11812,10 @@
           </a:bodyPr>
           <a:lstStyle/>
           <a:p>
+            <a:r>
+              <a:rPr lang="en-US" dirty="0"/>
+              <a:t>Faster Feedback While Developing Cookbooks</a:t>
+            </a:r>
             <a:endParaRPr lang="en-US" dirty="0"/>
           </a:p>
         </p:txBody>
@@ -11769,6 +11835,14 @@
           <a:bodyPr/>
           <a:lstStyle/>
           <a:p>
+            <a:r>
+              <a:rPr lang="en-US" dirty="0"/>
+              <a:t>The faster the feedback from our tests, the more likely we are to run them. The more likely we are to run them means they will catch more issues</a:t>
+            </a:r>
+            <a:r>
+              <a:rPr lang="en-US" dirty="0" smtClean="0"/>
+              <a:t>.</a:t>
+            </a:r>
             <a:endParaRPr lang="en-US" dirty="0"/>
           </a:p>
         </p:txBody>
@@ -12049,10 +12123,16 @@
         </p:nvSpPr>
         <p:spPr/>
         <p:txBody>
-          <a:bodyPr/>
+          <a:bodyPr>
+            <a:normAutofit fontScale="90000"/>
+          </a:bodyPr>
           <a:lstStyle/>
           <a:p>
-            <a:endParaRPr lang="en-US"/>
+            <a:r>
+              <a:rPr lang="en-US" dirty="0" smtClean="0"/>
+              <a:t>Write the Test that Verifies the Include Recipe</a:t>
+            </a:r>
+            <a:endParaRPr lang="en-US" dirty="0"/>
           </a:p>
         </p:txBody>
       </p:sp>
@@ -12266,7 +12346,6 @@
               <a:rPr lang="en-US" dirty="0"/>
               <a:t>+</a:t>
             </a:r>
-            <a:endParaRPr lang="en-US" dirty="0"/>
           </a:p>
         </p:txBody>
       </p:sp>
@@ -12503,7 +12582,11 @@
           <a:bodyPr/>
           <a:lstStyle/>
           <a:p>
-            <a:endParaRPr lang="en-US"/>
+            <a:r>
+              <a:rPr lang="en-US" dirty="0" smtClean="0"/>
+              <a:t>Execute the Tests to See it Fail</a:t>
+            </a:r>
+            <a:endParaRPr lang="en-US" dirty="0"/>
           </a:p>
         </p:txBody>
       </p:sp>
@@ -12562,7 +12645,11 @@
           <a:bodyPr/>
           <a:lstStyle/>
           <a:p>
-            <a:endParaRPr lang="en-US"/>
+            <a:r>
+              <a:rPr lang="en-US" dirty="0" smtClean="0"/>
+              <a:t>Uncomment the Include Recipe</a:t>
+            </a:r>
+            <a:endParaRPr lang="en-US" dirty="0"/>
           </a:p>
         </p:txBody>
       </p:sp>
@@ -12873,6 +12960,14 @@
           <a:bodyPr/>
           <a:lstStyle/>
           <a:p>
+            <a:r>
+              <a:rPr lang="en-US" dirty="0" smtClean="0"/>
+              <a:t>Execute the Tests to </a:t>
+            </a:r>
+            <a:r>
+              <a:rPr lang="en-US" smtClean="0"/>
+              <a:t>See it Pass</a:t>
+            </a:r>
             <a:endParaRPr lang="en-US"/>
           </a:p>
         </p:txBody>
@@ -12992,11 +13087,7 @@
           <a:p>
             <a:r>
               <a:rPr lang="en-US" dirty="0" smtClean="0"/>
-              <a:t>What </a:t>
-            </a:r>
-            <a:r>
-              <a:rPr lang="en-US" dirty="0" smtClean="0"/>
-              <a:t>are the differences between a </a:t>
+              <a:t>What are the differences between a </a:t>
             </a:r>
             <a:r>
               <a:rPr lang="en-US" dirty="0" err="1" smtClean="0"/>
@@ -13012,13 +13103,8 @@
             </a:r>
             <a:r>
               <a:rPr lang="en-US" dirty="0" smtClean="0"/>
-              <a:t> test</a:t>
-            </a:r>
-            <a:r>
-              <a:rPr lang="en-US" dirty="0" smtClean="0"/>
-              <a:t>?</a:t>
-            </a:r>
-            <a:endParaRPr lang="en-US" dirty="0" smtClean="0"/>
+              <a:t> test?</a:t>
+            </a:r>
           </a:p>
         </p:txBody>
       </p:sp>
@@ -13209,6 +13295,10 @@
           <a:bodyPr/>
           <a:lstStyle/>
           <a:p>
+            <a:r>
+              <a:rPr lang="en-US" dirty="0" smtClean="0"/>
+              <a:t>The slower the feedback loop the less value it provides to you while developing your cookbooks. You are less inclined to run the test suite. Which means you will likely miss issues as they happen.</a:t>
+            </a:r>
             <a:endParaRPr lang="en-US" dirty="0"/>
           </a:p>
         </p:txBody>
@@ -13226,6 +13316,13 @@
   <p:transition xmlns:p14="http://schemas.microsoft.com/office/powerpoint/2010/main" spd="med">
     <p:fade/>
   </p:transition>
+  <p:timing>
+    <p:tnLst>
+      <p:par>
+        <p:cTn xmlns:p14="http://schemas.microsoft.com/office/powerpoint/2010/main" id="1" dur="indefinite" restart="never" nodeType="tmRoot"/>
+      </p:par>
+    </p:tnLst>
+  </p:timing>
 </p:sld>
 </file>
 
@@ -13263,6 +13360,10 @@
           </a:bodyPr>
           <a:lstStyle/>
           <a:p>
+            <a:r>
+              <a:rPr lang="en-US" dirty="0" smtClean="0"/>
+              <a:t>Faster Feedback While Developing Cookbooks</a:t>
+            </a:r>
             <a:endParaRPr lang="en-US" dirty="0"/>
           </a:p>
         </p:txBody>
@@ -13282,6 +13383,10 @@
           <a:bodyPr/>
           <a:lstStyle/>
           <a:p>
+            <a:r>
+              <a:rPr lang="en-US" dirty="0" smtClean="0"/>
+              <a:t>The faster the feedback from our tests, the more likely we are to run them. The more likely we are to run them means they will catch more issues.</a:t>
+            </a:r>
             <a:endParaRPr lang="en-US" dirty="0"/>
           </a:p>
         </p:txBody>
@@ -13364,6 +13469,13 @@
   <p:transition xmlns:p14="http://schemas.microsoft.com/office/powerpoint/2010/main" spd="med">
     <p:fade/>
   </p:transition>
+  <p:timing>
+    <p:tnLst>
+      <p:par>
+        <p:cTn xmlns:p14="http://schemas.microsoft.com/office/powerpoint/2010/main" id="1" dur="indefinite" restart="never" nodeType="tmRoot"/>
+      </p:par>
+    </p:tnLst>
+  </p:timing>
 </p:sld>
 </file>
 
@@ -13399,7 +13511,54 @@
           <a:bodyPr/>
           <a:lstStyle/>
           <a:p>
-            <a:endParaRPr lang="en-US"/>
+            <a:r>
+              <a:rPr lang="en-US" dirty="0"/>
+              <a:t>spec</a:t>
+            </a:r>
+          </a:p>
+          <a:p>
+            <a:r>
+              <a:rPr lang="en-US" dirty="0"/>
+              <a:t>├── </a:t>
+            </a:r>
+            <a:r>
+              <a:rPr lang="en-US" dirty="0" err="1"/>
+              <a:t>spec_helper.rb</a:t>
+            </a:r>
+            <a:endParaRPr lang="en-US" dirty="0"/>
+          </a:p>
+          <a:p>
+            <a:r>
+              <a:rPr lang="en-US" dirty="0"/>
+              <a:t>└── unit</a:t>
+            </a:r>
+          </a:p>
+          <a:p>
+            <a:r>
+              <a:rPr lang="en-US" dirty="0"/>
+              <a:t>    └── recipes</a:t>
+            </a:r>
+          </a:p>
+          <a:p>
+            <a:r>
+              <a:rPr lang="en-US" dirty="0"/>
+              <a:t>        └── </a:t>
+            </a:r>
+            <a:r>
+              <a:rPr lang="en-US" dirty="0" err="1"/>
+              <a:t>default_spec.rb</a:t>
+            </a:r>
+            <a:endParaRPr lang="en-US" dirty="0"/>
+          </a:p>
+          <a:p>
+            <a:endParaRPr lang="en-US" dirty="0"/>
+          </a:p>
+          <a:p>
+            <a:r>
+              <a:rPr lang="en-US" dirty="0"/>
+              <a:t>2 directories, 2 files</a:t>
+            </a:r>
+            <a:endParaRPr lang="en-US" dirty="0"/>
           </a:p>
         </p:txBody>
       </p:sp>
@@ -13436,12 +13595,17 @@
             <p:ph sz="quarter" idx="12"/>
           </p:nvPr>
         </p:nvSpPr>
-        <p:spPr/>
+        <p:spPr>
+          <a:xfrm>
+            <a:off x="1127883" y="4455428"/>
+            <a:ext cx="14420850" cy="557213"/>
+          </a:xfrm>
+        </p:spPr>
         <p:txBody>
           <a:bodyPr/>
           <a:lstStyle/>
           <a:p>
-            <a:endParaRPr lang="en-US"/>
+            <a:endParaRPr lang="en-US" dirty="0"/>
           </a:p>
         </p:txBody>
       </p:sp>
@@ -13460,7 +13624,11 @@
           <a:bodyPr/>
           <a:lstStyle/>
           <a:p>
-            <a:endParaRPr lang="en-US"/>
+            <a:r>
+              <a:rPr lang="en-US" dirty="0" smtClean="0"/>
+              <a:t>View the Spec Directory</a:t>
+            </a:r>
+            <a:endParaRPr lang="en-US" dirty="0"/>
           </a:p>
         </p:txBody>
       </p:sp>
@@ -13477,6 +13645,13 @@
   <p:transition xmlns:p14="http://schemas.microsoft.com/office/powerpoint/2010/main" spd="med">
     <p:fade/>
   </p:transition>
+  <p:timing>
+    <p:tnLst>
+      <p:par>
+        <p:cTn xmlns:p14="http://schemas.microsoft.com/office/powerpoint/2010/main" id="1" dur="indefinite" restart="never" nodeType="tmRoot"/>
+      </p:par>
+    </p:tnLst>
+  </p:timing>
 </p:sld>
 </file>
 
@@ -13512,7 +13687,11 @@
           <a:bodyPr/>
           <a:lstStyle/>
           <a:p>
-            <a:endParaRPr lang="en-US"/>
+            <a:r>
+              <a:rPr lang="en-US" dirty="0" smtClean="0"/>
+              <a:t>View the Test for the Default Recipe</a:t>
+            </a:r>
+            <a:endParaRPr lang="en-US" dirty="0"/>
           </a:p>
         </p:txBody>
       </p:sp>
@@ -13869,6 +14048,10 @@
           <a:bodyPr/>
           <a:lstStyle/>
           <a:p>
+            <a:r>
+              <a:rPr lang="en-US" dirty="0" smtClean="0"/>
+              <a:t>Execute the Test for the Default Recipe</a:t>
+            </a:r>
             <a:endParaRPr lang="en-US" dirty="0"/>
           </a:p>
         </p:txBody>
@@ -13923,6 +14106,10 @@
           </a:bodyPr>
           <a:lstStyle/>
           <a:p>
+            <a:r>
+              <a:rPr lang="en-US" dirty="0"/>
+              <a:t>Faster Feedback While Developing Cookbooks</a:t>
+            </a:r>
             <a:endParaRPr lang="en-US" dirty="0"/>
           </a:p>
         </p:txBody>
@@ -13942,6 +14129,14 @@
           <a:bodyPr/>
           <a:lstStyle/>
           <a:p>
+            <a:r>
+              <a:rPr lang="en-US" dirty="0"/>
+              <a:t>The faster the feedback from our tests, the more likely we are to run them. The more likely we are to run them means they will catch more issues</a:t>
+            </a:r>
+            <a:r>
+              <a:rPr lang="en-US" dirty="0" smtClean="0"/>
+              <a:t>.</a:t>
+            </a:r>
             <a:endParaRPr lang="en-US" dirty="0"/>
           </a:p>
         </p:txBody>
@@ -14056,10 +14251,16 @@
         </p:nvSpPr>
         <p:spPr/>
         <p:txBody>
-          <a:bodyPr/>
+          <a:bodyPr>
+            <a:normAutofit/>
+          </a:bodyPr>
           <a:lstStyle/>
           <a:p>
-            <a:endParaRPr lang="en-US"/>
+            <a:r>
+              <a:rPr lang="en-US" dirty="0" smtClean="0"/>
+              <a:t>These are the Two Things to Test</a:t>
+            </a:r>
+            <a:endParaRPr lang="en-US" dirty="0"/>
           </a:p>
         </p:txBody>
       </p:sp>
@@ -14655,7 +14856,7 @@
   <a:extraClrSchemeLst/>
   <a:extLst>
     <a:ext uri="{05A4C25C-085E-4340-85A3-A5531E510DB2}">
-      <thm15:themeFamily xmlns:thm15="http://schemas.microsoft.com/office/thememl/2012/main" xmlns="" name="Chef-TemplateComps_v09-16x9-Light.potx" id="{078CEFDB-FA7A-4E36-9964-13EF367585CB}" vid="{8B87B0F3-7308-43D5-8388-E1B49EA02652}"/>
+      <thm15:themeFamily xmlns="" xmlns:thm15="http://schemas.microsoft.com/office/thememl/2012/main" name="Chef-TemplateComps_v09-16x9-Light.potx" id="{078CEFDB-FA7A-4E36-9964-13EF367585CB}" vid="{8B87B0F3-7308-43D5-8388-E1B49EA02652}"/>
     </a:ext>
   </a:extLst>
 </a:theme>
@@ -15037,7 +15238,7 @@
   <a:extraClrSchemeLst/>
   <a:extLst>
     <a:ext uri="{05A4C25C-085E-4340-85A3-A5531E510DB2}">
-      <thm15:themeFamily xmlns:thm15="http://schemas.microsoft.com/office/thememl/2012/main" xmlns="" name="Chef-TemplateComps_v09-16x9-Light.potx" id="{078CEFDB-FA7A-4E36-9964-13EF367585CB}" vid="{8B87B0F3-7308-43D5-8388-E1B49EA02652}"/>
+      <thm15:themeFamily xmlns="" xmlns:thm15="http://schemas.microsoft.com/office/thememl/2012/main" name="Chef-TemplateComps_v09-16x9-Light.potx" id="{078CEFDB-FA7A-4E36-9964-13EF367585CB}" vid="{8B87B0F3-7308-43D5-8388-E1B49EA02652}"/>
     </a:ext>
   </a:extLst>
 </a:theme>

--- a/03-faster_feedback_with_unit_testing.pptx
+++ b/03-faster_feedback_with_unit_testing.pptx
@@ -168,6 +168,25 @@
       </a:defRPr>
     </a:lvl9pPr>
   </p:defaultTextStyle>
+  <p:extLst>
+    <p:ext uri="{EFAFB233-063F-42B5-8137-9DF3F51BA10A}">
+      <p15:sldGuideLst xmlns:p15="http://schemas.microsoft.com/office/powerpoint/2012/main">
+        <p15:guide id="1" orient="horz" pos="894">
+          <p15:clr>
+            <a:srgbClr val="A4A3A4"/>
+          </p15:clr>
+        </p15:guide>
+        <p15:guide id="2" pos="9120">
+          <p15:clr>
+            <a:srgbClr val="A4A3A4"/>
+          </p15:clr>
+        </p15:guide>
+      </p15:sldGuideLst>
+    </p:ext>
+    <p:ext uri="{2D200454-40CA-4A62-9FC3-DE9A4176ACB9}">
+      <p15:notesGuideLst xmlns:p15="http://schemas.microsoft.com/office/powerpoint/2012/main"/>
+    </p:ext>
+  </p:extLst>
 </p:presentation>
 </file>
 
@@ -282,7 +301,7 @@
               <a:pPr>
                 <a:defRPr/>
               </a:pPr>
-              <a:t>10/26/15</a:t>
+              <a:t>2015-11-19</a:t>
             </a:fld>
             <a:endParaRPr lang="en-US" dirty="0"/>
           </a:p>
@@ -465,7 +484,7 @@
               <a:pPr>
                 <a:defRPr/>
               </a:pPr>
-              <a:t>10/26/15</a:t>
+              <a:t>2015-11-19</a:t>
             </a:fld>
             <a:endParaRPr lang="en-US" dirty="0"/>
           </a:p>
@@ -866,6 +885,3624 @@
 </p:notesMaster>
 </file>
 
+<file path=ppt/notesSlides/notesSlide1.xml><?xml version="1.0" encoding="utf-8"?>
+<p:notes xmlns:a="http://schemas.openxmlformats.org/drawingml/2006/main" xmlns:r="http://schemas.openxmlformats.org/officeDocument/2006/relationships" xmlns:p="http://schemas.openxmlformats.org/presentationml/2006/main">
+  <p:cSld>
+    <p:spTree>
+      <p:nvGrpSpPr>
+        <p:cNvPr id="1" name=""/>
+        <p:cNvGrpSpPr/>
+        <p:nvPr/>
+      </p:nvGrpSpPr>
+      <p:grpSpPr>
+        <a:xfrm>
+          <a:off x="0" y="0"/>
+          <a:ext cx="0" cy="0"/>
+          <a:chOff x="0" y="0"/>
+          <a:chExt cx="0" cy="0"/>
+        </a:xfrm>
+      </p:grpSpPr>
+      <p:sp>
+        <p:nvSpPr>
+          <p:cNvPr id="2" name="Slide Image Placeholder 1"/>
+          <p:cNvSpPr>
+            <a:spLocks noGrp="1" noRot="1" noChangeAspect="1"/>
+          </p:cNvSpPr>
+          <p:nvPr>
+            <p:ph type="sldImg"/>
+          </p:nvPr>
+        </p:nvSpPr>
+        <p:spPr/>
+      </p:sp>
+      <p:sp>
+        <p:nvSpPr>
+          <p:cNvPr id="3" name="Notes Placeholder 2"/>
+          <p:cNvSpPr>
+            <a:spLocks noGrp="1"/>
+          </p:cNvSpPr>
+          <p:nvPr>
+            <p:ph type="body" idx="1"/>
+          </p:nvPr>
+        </p:nvSpPr>
+        <p:spPr/>
+        <p:txBody>
+          <a:bodyPr/>
+          <a:lstStyle/>
+          <a:p>
+            <a:endParaRPr lang="en-US"/>
+          </a:p>
+        </p:txBody>
+      </p:sp>
+      <p:sp>
+        <p:nvSpPr>
+          <p:cNvPr id="4" name="Slide Number Placeholder 3"/>
+          <p:cNvSpPr>
+            <a:spLocks noGrp="1"/>
+          </p:cNvSpPr>
+          <p:nvPr>
+            <p:ph type="sldNum" sz="quarter" idx="10"/>
+          </p:nvPr>
+        </p:nvSpPr>
+        <p:spPr/>
+        <p:txBody>
+          <a:bodyPr/>
+          <a:lstStyle/>
+          <a:p>
+            <a:pPr>
+              <a:defRPr/>
+            </a:pPr>
+            <a:fld id="{DC3734AA-3150-D947-AC52-2F5DF48BFCD5}" type="slidenum">
+              <a:rPr lang="en-US" smtClean="0"/>
+              <a:pPr>
+                <a:defRPr/>
+              </a:pPr>
+              <a:t>1</a:t>
+            </a:fld>
+            <a:endParaRPr lang="en-US" dirty="0"/>
+          </a:p>
+        </p:txBody>
+      </p:sp>
+      <p:sp>
+        <p:nvSpPr>
+          <p:cNvPr id="5" name="Header Placeholder 4"/>
+          <p:cNvSpPr>
+            <a:spLocks noGrp="1"/>
+          </p:cNvSpPr>
+          <p:nvPr>
+            <p:ph type="hdr" sz="quarter" idx="11"/>
+          </p:nvPr>
+        </p:nvSpPr>
+        <p:spPr/>
+        <p:txBody>
+          <a:bodyPr/>
+          <a:lstStyle/>
+          <a:p>
+            <a:pPr>
+              <a:defRPr/>
+            </a:pPr>
+            <a:endParaRPr lang="en-US"/>
+          </a:p>
+        </p:txBody>
+      </p:sp>
+      <p:sp>
+        <p:nvSpPr>
+          <p:cNvPr id="6" name="Footer Placeholder 5"/>
+          <p:cNvSpPr>
+            <a:spLocks noGrp="1"/>
+          </p:cNvSpPr>
+          <p:nvPr>
+            <p:ph type="ftr" sz="quarter" idx="12"/>
+          </p:nvPr>
+        </p:nvSpPr>
+        <p:spPr/>
+        <p:txBody>
+          <a:bodyPr/>
+          <a:lstStyle/>
+          <a:p>
+            <a:pPr>
+              <a:defRPr/>
+            </a:pPr>
+            <a:endParaRPr lang="en-US"/>
+          </a:p>
+        </p:txBody>
+      </p:sp>
+    </p:spTree>
+    <p:extLst>
+      <p:ext uri="{BB962C8B-B14F-4D97-AF65-F5344CB8AC3E}">
+        <p14:creationId xmlns:p14="http://schemas.microsoft.com/office/powerpoint/2010/main" val="1984532052"/>
+      </p:ext>
+    </p:extLst>
+  </p:cSld>
+  <p:clrMapOvr>
+    <a:masterClrMapping/>
+  </p:clrMapOvr>
+</p:notes>
+</file>
+
+<file path=ppt/notesSlides/notesSlide10.xml><?xml version="1.0" encoding="utf-8"?>
+<p:notes xmlns:a="http://schemas.openxmlformats.org/drawingml/2006/main" xmlns:r="http://schemas.openxmlformats.org/officeDocument/2006/relationships" xmlns:p="http://schemas.openxmlformats.org/presentationml/2006/main">
+  <p:cSld>
+    <p:spTree>
+      <p:nvGrpSpPr>
+        <p:cNvPr id="1" name=""/>
+        <p:cNvGrpSpPr/>
+        <p:nvPr/>
+      </p:nvGrpSpPr>
+      <p:grpSpPr>
+        <a:xfrm>
+          <a:off x="0" y="0"/>
+          <a:ext cx="0" cy="0"/>
+          <a:chOff x="0" y="0"/>
+          <a:chExt cx="0" cy="0"/>
+        </a:xfrm>
+      </p:grpSpPr>
+      <p:sp>
+        <p:nvSpPr>
+          <p:cNvPr id="2" name="Slide Image Placeholder 1"/>
+          <p:cNvSpPr>
+            <a:spLocks noGrp="1" noRot="1" noChangeAspect="1"/>
+          </p:cNvSpPr>
+          <p:nvPr>
+            <p:ph type="sldImg"/>
+          </p:nvPr>
+        </p:nvSpPr>
+        <p:spPr/>
+      </p:sp>
+      <p:sp>
+        <p:nvSpPr>
+          <p:cNvPr id="3" name="Notes Placeholder 2"/>
+          <p:cNvSpPr>
+            <a:spLocks noGrp="1"/>
+          </p:cNvSpPr>
+          <p:nvPr>
+            <p:ph type="body" idx="1"/>
+          </p:nvPr>
+        </p:nvSpPr>
+        <p:spPr/>
+        <p:txBody>
+          <a:bodyPr/>
+          <a:lstStyle/>
+          <a:p>
+            <a:endParaRPr lang="en-US"/>
+          </a:p>
+        </p:txBody>
+      </p:sp>
+      <p:sp>
+        <p:nvSpPr>
+          <p:cNvPr id="4" name="Slide Number Placeholder 3"/>
+          <p:cNvSpPr>
+            <a:spLocks noGrp="1"/>
+          </p:cNvSpPr>
+          <p:nvPr>
+            <p:ph type="sldNum" sz="quarter" idx="10"/>
+          </p:nvPr>
+        </p:nvSpPr>
+        <p:spPr/>
+        <p:txBody>
+          <a:bodyPr/>
+          <a:lstStyle/>
+          <a:p>
+            <a:pPr>
+              <a:defRPr/>
+            </a:pPr>
+            <a:fld id="{DC3734AA-3150-D947-AC52-2F5DF48BFCD5}" type="slidenum">
+              <a:rPr lang="en-US" smtClean="0"/>
+              <a:pPr>
+                <a:defRPr/>
+              </a:pPr>
+              <a:t>10</a:t>
+            </a:fld>
+            <a:endParaRPr lang="en-US" dirty="0"/>
+          </a:p>
+        </p:txBody>
+      </p:sp>
+      <p:sp>
+        <p:nvSpPr>
+          <p:cNvPr id="5" name="Header Placeholder 4"/>
+          <p:cNvSpPr>
+            <a:spLocks noGrp="1"/>
+          </p:cNvSpPr>
+          <p:nvPr>
+            <p:ph type="hdr" sz="quarter" idx="11"/>
+          </p:nvPr>
+        </p:nvSpPr>
+        <p:spPr/>
+        <p:txBody>
+          <a:bodyPr/>
+          <a:lstStyle/>
+          <a:p>
+            <a:pPr>
+              <a:defRPr/>
+            </a:pPr>
+            <a:endParaRPr lang="en-US"/>
+          </a:p>
+        </p:txBody>
+      </p:sp>
+      <p:sp>
+        <p:nvSpPr>
+          <p:cNvPr id="6" name="Footer Placeholder 5"/>
+          <p:cNvSpPr>
+            <a:spLocks noGrp="1"/>
+          </p:cNvSpPr>
+          <p:nvPr>
+            <p:ph type="ftr" sz="quarter" idx="12"/>
+          </p:nvPr>
+        </p:nvSpPr>
+        <p:spPr/>
+        <p:txBody>
+          <a:bodyPr/>
+          <a:lstStyle/>
+          <a:p>
+            <a:pPr>
+              <a:defRPr/>
+            </a:pPr>
+            <a:endParaRPr lang="en-US"/>
+          </a:p>
+        </p:txBody>
+      </p:sp>
+    </p:spTree>
+    <p:extLst>
+      <p:ext uri="{BB962C8B-B14F-4D97-AF65-F5344CB8AC3E}">
+        <p14:creationId xmlns:p14="http://schemas.microsoft.com/office/powerpoint/2010/main" val="959997917"/>
+      </p:ext>
+    </p:extLst>
+  </p:cSld>
+  <p:clrMapOvr>
+    <a:masterClrMapping/>
+  </p:clrMapOvr>
+</p:notes>
+</file>
+
+<file path=ppt/notesSlides/notesSlide11.xml><?xml version="1.0" encoding="utf-8"?>
+<p:notes xmlns:a="http://schemas.openxmlformats.org/drawingml/2006/main" xmlns:r="http://schemas.openxmlformats.org/officeDocument/2006/relationships" xmlns:p="http://schemas.openxmlformats.org/presentationml/2006/main">
+  <p:cSld>
+    <p:spTree>
+      <p:nvGrpSpPr>
+        <p:cNvPr id="1" name=""/>
+        <p:cNvGrpSpPr/>
+        <p:nvPr/>
+      </p:nvGrpSpPr>
+      <p:grpSpPr>
+        <a:xfrm>
+          <a:off x="0" y="0"/>
+          <a:ext cx="0" cy="0"/>
+          <a:chOff x="0" y="0"/>
+          <a:chExt cx="0" cy="0"/>
+        </a:xfrm>
+      </p:grpSpPr>
+      <p:sp>
+        <p:nvSpPr>
+          <p:cNvPr id="2" name="Slide Image Placeholder 1"/>
+          <p:cNvSpPr>
+            <a:spLocks noGrp="1" noRot="1" noChangeAspect="1"/>
+          </p:cNvSpPr>
+          <p:nvPr>
+            <p:ph type="sldImg"/>
+          </p:nvPr>
+        </p:nvSpPr>
+        <p:spPr/>
+      </p:sp>
+      <p:sp>
+        <p:nvSpPr>
+          <p:cNvPr id="3" name="Notes Placeholder 2"/>
+          <p:cNvSpPr>
+            <a:spLocks noGrp="1"/>
+          </p:cNvSpPr>
+          <p:nvPr>
+            <p:ph type="body" idx="1"/>
+          </p:nvPr>
+        </p:nvSpPr>
+        <p:spPr/>
+        <p:txBody>
+          <a:bodyPr/>
+          <a:lstStyle/>
+          <a:p>
+            <a:endParaRPr lang="en-US"/>
+          </a:p>
+        </p:txBody>
+      </p:sp>
+      <p:sp>
+        <p:nvSpPr>
+          <p:cNvPr id="4" name="Slide Number Placeholder 3"/>
+          <p:cNvSpPr>
+            <a:spLocks noGrp="1"/>
+          </p:cNvSpPr>
+          <p:nvPr>
+            <p:ph type="sldNum" sz="quarter" idx="10"/>
+          </p:nvPr>
+        </p:nvSpPr>
+        <p:spPr/>
+        <p:txBody>
+          <a:bodyPr/>
+          <a:lstStyle/>
+          <a:p>
+            <a:pPr>
+              <a:defRPr/>
+            </a:pPr>
+            <a:fld id="{DC3734AA-3150-D947-AC52-2F5DF48BFCD5}" type="slidenum">
+              <a:rPr lang="en-US" smtClean="0"/>
+              <a:pPr>
+                <a:defRPr/>
+              </a:pPr>
+              <a:t>11</a:t>
+            </a:fld>
+            <a:endParaRPr lang="en-US" dirty="0"/>
+          </a:p>
+        </p:txBody>
+      </p:sp>
+      <p:sp>
+        <p:nvSpPr>
+          <p:cNvPr id="5" name="Header Placeholder 4"/>
+          <p:cNvSpPr>
+            <a:spLocks noGrp="1"/>
+          </p:cNvSpPr>
+          <p:nvPr>
+            <p:ph type="hdr" sz="quarter" idx="11"/>
+          </p:nvPr>
+        </p:nvSpPr>
+        <p:spPr/>
+        <p:txBody>
+          <a:bodyPr/>
+          <a:lstStyle/>
+          <a:p>
+            <a:pPr>
+              <a:defRPr/>
+            </a:pPr>
+            <a:endParaRPr lang="en-US"/>
+          </a:p>
+        </p:txBody>
+      </p:sp>
+      <p:sp>
+        <p:nvSpPr>
+          <p:cNvPr id="6" name="Footer Placeholder 5"/>
+          <p:cNvSpPr>
+            <a:spLocks noGrp="1"/>
+          </p:cNvSpPr>
+          <p:nvPr>
+            <p:ph type="ftr" sz="quarter" idx="12"/>
+          </p:nvPr>
+        </p:nvSpPr>
+        <p:spPr/>
+        <p:txBody>
+          <a:bodyPr/>
+          <a:lstStyle/>
+          <a:p>
+            <a:pPr>
+              <a:defRPr/>
+            </a:pPr>
+            <a:endParaRPr lang="en-US"/>
+          </a:p>
+        </p:txBody>
+      </p:sp>
+    </p:spTree>
+    <p:extLst>
+      <p:ext uri="{BB962C8B-B14F-4D97-AF65-F5344CB8AC3E}">
+        <p14:creationId xmlns:p14="http://schemas.microsoft.com/office/powerpoint/2010/main" val="818933796"/>
+      </p:ext>
+    </p:extLst>
+  </p:cSld>
+  <p:clrMapOvr>
+    <a:masterClrMapping/>
+  </p:clrMapOvr>
+</p:notes>
+</file>
+
+<file path=ppt/notesSlides/notesSlide12.xml><?xml version="1.0" encoding="utf-8"?>
+<p:notes xmlns:a="http://schemas.openxmlformats.org/drawingml/2006/main" xmlns:r="http://schemas.openxmlformats.org/officeDocument/2006/relationships" xmlns:p="http://schemas.openxmlformats.org/presentationml/2006/main">
+  <p:cSld>
+    <p:spTree>
+      <p:nvGrpSpPr>
+        <p:cNvPr id="1" name=""/>
+        <p:cNvGrpSpPr/>
+        <p:nvPr/>
+      </p:nvGrpSpPr>
+      <p:grpSpPr>
+        <a:xfrm>
+          <a:off x="0" y="0"/>
+          <a:ext cx="0" cy="0"/>
+          <a:chOff x="0" y="0"/>
+          <a:chExt cx="0" cy="0"/>
+        </a:xfrm>
+      </p:grpSpPr>
+      <p:sp>
+        <p:nvSpPr>
+          <p:cNvPr id="2" name="Slide Image Placeholder 1"/>
+          <p:cNvSpPr>
+            <a:spLocks noGrp="1" noRot="1" noChangeAspect="1"/>
+          </p:cNvSpPr>
+          <p:nvPr>
+            <p:ph type="sldImg"/>
+          </p:nvPr>
+        </p:nvSpPr>
+        <p:spPr/>
+      </p:sp>
+      <p:sp>
+        <p:nvSpPr>
+          <p:cNvPr id="3" name="Notes Placeholder 2"/>
+          <p:cNvSpPr>
+            <a:spLocks noGrp="1"/>
+          </p:cNvSpPr>
+          <p:nvPr>
+            <p:ph type="body" idx="1"/>
+          </p:nvPr>
+        </p:nvSpPr>
+        <p:spPr/>
+        <p:txBody>
+          <a:bodyPr/>
+          <a:lstStyle/>
+          <a:p>
+            <a:endParaRPr lang="en-US"/>
+          </a:p>
+        </p:txBody>
+      </p:sp>
+      <p:sp>
+        <p:nvSpPr>
+          <p:cNvPr id="4" name="Slide Number Placeholder 3"/>
+          <p:cNvSpPr>
+            <a:spLocks noGrp="1"/>
+          </p:cNvSpPr>
+          <p:nvPr>
+            <p:ph type="sldNum" sz="quarter" idx="10"/>
+          </p:nvPr>
+        </p:nvSpPr>
+        <p:spPr/>
+        <p:txBody>
+          <a:bodyPr/>
+          <a:lstStyle/>
+          <a:p>
+            <a:pPr>
+              <a:defRPr/>
+            </a:pPr>
+            <a:fld id="{DC3734AA-3150-D947-AC52-2F5DF48BFCD5}" type="slidenum">
+              <a:rPr lang="en-US" smtClean="0"/>
+              <a:pPr>
+                <a:defRPr/>
+              </a:pPr>
+              <a:t>12</a:t>
+            </a:fld>
+            <a:endParaRPr lang="en-US" dirty="0"/>
+          </a:p>
+        </p:txBody>
+      </p:sp>
+      <p:sp>
+        <p:nvSpPr>
+          <p:cNvPr id="5" name="Header Placeholder 4"/>
+          <p:cNvSpPr>
+            <a:spLocks noGrp="1"/>
+          </p:cNvSpPr>
+          <p:nvPr>
+            <p:ph type="hdr" sz="quarter" idx="11"/>
+          </p:nvPr>
+        </p:nvSpPr>
+        <p:spPr/>
+        <p:txBody>
+          <a:bodyPr/>
+          <a:lstStyle/>
+          <a:p>
+            <a:pPr>
+              <a:defRPr/>
+            </a:pPr>
+            <a:endParaRPr lang="en-US"/>
+          </a:p>
+        </p:txBody>
+      </p:sp>
+      <p:sp>
+        <p:nvSpPr>
+          <p:cNvPr id="6" name="Footer Placeholder 5"/>
+          <p:cNvSpPr>
+            <a:spLocks noGrp="1"/>
+          </p:cNvSpPr>
+          <p:nvPr>
+            <p:ph type="ftr" sz="quarter" idx="12"/>
+          </p:nvPr>
+        </p:nvSpPr>
+        <p:spPr/>
+        <p:txBody>
+          <a:bodyPr/>
+          <a:lstStyle/>
+          <a:p>
+            <a:pPr>
+              <a:defRPr/>
+            </a:pPr>
+            <a:endParaRPr lang="en-US"/>
+          </a:p>
+        </p:txBody>
+      </p:sp>
+    </p:spTree>
+    <p:extLst>
+      <p:ext uri="{BB962C8B-B14F-4D97-AF65-F5344CB8AC3E}">
+        <p14:creationId xmlns:p14="http://schemas.microsoft.com/office/powerpoint/2010/main" val="597615749"/>
+      </p:ext>
+    </p:extLst>
+  </p:cSld>
+  <p:clrMapOvr>
+    <a:masterClrMapping/>
+  </p:clrMapOvr>
+</p:notes>
+</file>
+
+<file path=ppt/notesSlides/notesSlide13.xml><?xml version="1.0" encoding="utf-8"?>
+<p:notes xmlns:a="http://schemas.openxmlformats.org/drawingml/2006/main" xmlns:r="http://schemas.openxmlformats.org/officeDocument/2006/relationships" xmlns:p="http://schemas.openxmlformats.org/presentationml/2006/main">
+  <p:cSld>
+    <p:spTree>
+      <p:nvGrpSpPr>
+        <p:cNvPr id="1" name=""/>
+        <p:cNvGrpSpPr/>
+        <p:nvPr/>
+      </p:nvGrpSpPr>
+      <p:grpSpPr>
+        <a:xfrm>
+          <a:off x="0" y="0"/>
+          <a:ext cx="0" cy="0"/>
+          <a:chOff x="0" y="0"/>
+          <a:chExt cx="0" cy="0"/>
+        </a:xfrm>
+      </p:grpSpPr>
+      <p:sp>
+        <p:nvSpPr>
+          <p:cNvPr id="2" name="Slide Image Placeholder 1"/>
+          <p:cNvSpPr>
+            <a:spLocks noGrp="1" noRot="1" noChangeAspect="1"/>
+          </p:cNvSpPr>
+          <p:nvPr>
+            <p:ph type="sldImg"/>
+          </p:nvPr>
+        </p:nvSpPr>
+        <p:spPr/>
+      </p:sp>
+      <p:sp>
+        <p:nvSpPr>
+          <p:cNvPr id="3" name="Notes Placeholder 2"/>
+          <p:cNvSpPr>
+            <a:spLocks noGrp="1"/>
+          </p:cNvSpPr>
+          <p:nvPr>
+            <p:ph type="body" idx="1"/>
+          </p:nvPr>
+        </p:nvSpPr>
+        <p:spPr/>
+        <p:txBody>
+          <a:bodyPr/>
+          <a:lstStyle/>
+          <a:p>
+            <a:endParaRPr lang="en-US"/>
+          </a:p>
+        </p:txBody>
+      </p:sp>
+      <p:sp>
+        <p:nvSpPr>
+          <p:cNvPr id="4" name="Slide Number Placeholder 3"/>
+          <p:cNvSpPr>
+            <a:spLocks noGrp="1"/>
+          </p:cNvSpPr>
+          <p:nvPr>
+            <p:ph type="sldNum" sz="quarter" idx="10"/>
+          </p:nvPr>
+        </p:nvSpPr>
+        <p:spPr/>
+        <p:txBody>
+          <a:bodyPr/>
+          <a:lstStyle/>
+          <a:p>
+            <a:pPr>
+              <a:defRPr/>
+            </a:pPr>
+            <a:fld id="{DC3734AA-3150-D947-AC52-2F5DF48BFCD5}" type="slidenum">
+              <a:rPr lang="en-US" smtClean="0"/>
+              <a:pPr>
+                <a:defRPr/>
+              </a:pPr>
+              <a:t>13</a:t>
+            </a:fld>
+            <a:endParaRPr lang="en-US" dirty="0"/>
+          </a:p>
+        </p:txBody>
+      </p:sp>
+      <p:sp>
+        <p:nvSpPr>
+          <p:cNvPr id="5" name="Header Placeholder 4"/>
+          <p:cNvSpPr>
+            <a:spLocks noGrp="1"/>
+          </p:cNvSpPr>
+          <p:nvPr>
+            <p:ph type="hdr" sz="quarter" idx="11"/>
+          </p:nvPr>
+        </p:nvSpPr>
+        <p:spPr/>
+        <p:txBody>
+          <a:bodyPr/>
+          <a:lstStyle/>
+          <a:p>
+            <a:pPr>
+              <a:defRPr/>
+            </a:pPr>
+            <a:endParaRPr lang="en-US"/>
+          </a:p>
+        </p:txBody>
+      </p:sp>
+      <p:sp>
+        <p:nvSpPr>
+          <p:cNvPr id="6" name="Footer Placeholder 5"/>
+          <p:cNvSpPr>
+            <a:spLocks noGrp="1"/>
+          </p:cNvSpPr>
+          <p:nvPr>
+            <p:ph type="ftr" sz="quarter" idx="12"/>
+          </p:nvPr>
+        </p:nvSpPr>
+        <p:spPr/>
+        <p:txBody>
+          <a:bodyPr/>
+          <a:lstStyle/>
+          <a:p>
+            <a:pPr>
+              <a:defRPr/>
+            </a:pPr>
+            <a:endParaRPr lang="en-US"/>
+          </a:p>
+        </p:txBody>
+      </p:sp>
+    </p:spTree>
+    <p:extLst>
+      <p:ext uri="{BB962C8B-B14F-4D97-AF65-F5344CB8AC3E}">
+        <p14:creationId xmlns:p14="http://schemas.microsoft.com/office/powerpoint/2010/main" val="346876424"/>
+      </p:ext>
+    </p:extLst>
+  </p:cSld>
+  <p:clrMapOvr>
+    <a:masterClrMapping/>
+  </p:clrMapOvr>
+</p:notes>
+</file>
+
+<file path=ppt/notesSlides/notesSlide14.xml><?xml version="1.0" encoding="utf-8"?>
+<p:notes xmlns:a="http://schemas.openxmlformats.org/drawingml/2006/main" xmlns:r="http://schemas.openxmlformats.org/officeDocument/2006/relationships" xmlns:p="http://schemas.openxmlformats.org/presentationml/2006/main">
+  <p:cSld>
+    <p:spTree>
+      <p:nvGrpSpPr>
+        <p:cNvPr id="1" name=""/>
+        <p:cNvGrpSpPr/>
+        <p:nvPr/>
+      </p:nvGrpSpPr>
+      <p:grpSpPr>
+        <a:xfrm>
+          <a:off x="0" y="0"/>
+          <a:ext cx="0" cy="0"/>
+          <a:chOff x="0" y="0"/>
+          <a:chExt cx="0" cy="0"/>
+        </a:xfrm>
+      </p:grpSpPr>
+      <p:sp>
+        <p:nvSpPr>
+          <p:cNvPr id="2" name="Slide Image Placeholder 1"/>
+          <p:cNvSpPr>
+            <a:spLocks noGrp="1" noRot="1" noChangeAspect="1"/>
+          </p:cNvSpPr>
+          <p:nvPr>
+            <p:ph type="sldImg"/>
+          </p:nvPr>
+        </p:nvSpPr>
+        <p:spPr/>
+      </p:sp>
+      <p:sp>
+        <p:nvSpPr>
+          <p:cNvPr id="3" name="Notes Placeholder 2"/>
+          <p:cNvSpPr>
+            <a:spLocks noGrp="1"/>
+          </p:cNvSpPr>
+          <p:nvPr>
+            <p:ph type="body" idx="1"/>
+          </p:nvPr>
+        </p:nvSpPr>
+        <p:spPr/>
+        <p:txBody>
+          <a:bodyPr/>
+          <a:lstStyle/>
+          <a:p>
+            <a:endParaRPr lang="en-US"/>
+          </a:p>
+        </p:txBody>
+      </p:sp>
+      <p:sp>
+        <p:nvSpPr>
+          <p:cNvPr id="4" name="Slide Number Placeholder 3"/>
+          <p:cNvSpPr>
+            <a:spLocks noGrp="1"/>
+          </p:cNvSpPr>
+          <p:nvPr>
+            <p:ph type="sldNum" sz="quarter" idx="10"/>
+          </p:nvPr>
+        </p:nvSpPr>
+        <p:spPr/>
+        <p:txBody>
+          <a:bodyPr/>
+          <a:lstStyle/>
+          <a:p>
+            <a:pPr>
+              <a:defRPr/>
+            </a:pPr>
+            <a:fld id="{DC3734AA-3150-D947-AC52-2F5DF48BFCD5}" type="slidenum">
+              <a:rPr lang="en-US" smtClean="0"/>
+              <a:pPr>
+                <a:defRPr/>
+              </a:pPr>
+              <a:t>14</a:t>
+            </a:fld>
+            <a:endParaRPr lang="en-US" dirty="0"/>
+          </a:p>
+        </p:txBody>
+      </p:sp>
+      <p:sp>
+        <p:nvSpPr>
+          <p:cNvPr id="5" name="Header Placeholder 4"/>
+          <p:cNvSpPr>
+            <a:spLocks noGrp="1"/>
+          </p:cNvSpPr>
+          <p:nvPr>
+            <p:ph type="hdr" sz="quarter" idx="11"/>
+          </p:nvPr>
+        </p:nvSpPr>
+        <p:spPr/>
+        <p:txBody>
+          <a:bodyPr/>
+          <a:lstStyle/>
+          <a:p>
+            <a:pPr>
+              <a:defRPr/>
+            </a:pPr>
+            <a:endParaRPr lang="en-US"/>
+          </a:p>
+        </p:txBody>
+      </p:sp>
+      <p:sp>
+        <p:nvSpPr>
+          <p:cNvPr id="6" name="Footer Placeholder 5"/>
+          <p:cNvSpPr>
+            <a:spLocks noGrp="1"/>
+          </p:cNvSpPr>
+          <p:nvPr>
+            <p:ph type="ftr" sz="quarter" idx="12"/>
+          </p:nvPr>
+        </p:nvSpPr>
+        <p:spPr/>
+        <p:txBody>
+          <a:bodyPr/>
+          <a:lstStyle/>
+          <a:p>
+            <a:pPr>
+              <a:defRPr/>
+            </a:pPr>
+            <a:endParaRPr lang="en-US"/>
+          </a:p>
+        </p:txBody>
+      </p:sp>
+    </p:spTree>
+    <p:extLst>
+      <p:ext uri="{BB962C8B-B14F-4D97-AF65-F5344CB8AC3E}">
+        <p14:creationId xmlns:p14="http://schemas.microsoft.com/office/powerpoint/2010/main" val="1681440210"/>
+      </p:ext>
+    </p:extLst>
+  </p:cSld>
+  <p:clrMapOvr>
+    <a:masterClrMapping/>
+  </p:clrMapOvr>
+</p:notes>
+</file>
+
+<file path=ppt/notesSlides/notesSlide15.xml><?xml version="1.0" encoding="utf-8"?>
+<p:notes xmlns:a="http://schemas.openxmlformats.org/drawingml/2006/main" xmlns:r="http://schemas.openxmlformats.org/officeDocument/2006/relationships" xmlns:p="http://schemas.openxmlformats.org/presentationml/2006/main">
+  <p:cSld>
+    <p:spTree>
+      <p:nvGrpSpPr>
+        <p:cNvPr id="1" name=""/>
+        <p:cNvGrpSpPr/>
+        <p:nvPr/>
+      </p:nvGrpSpPr>
+      <p:grpSpPr>
+        <a:xfrm>
+          <a:off x="0" y="0"/>
+          <a:ext cx="0" cy="0"/>
+          <a:chOff x="0" y="0"/>
+          <a:chExt cx="0" cy="0"/>
+        </a:xfrm>
+      </p:grpSpPr>
+      <p:sp>
+        <p:nvSpPr>
+          <p:cNvPr id="2" name="Slide Image Placeholder 1"/>
+          <p:cNvSpPr>
+            <a:spLocks noGrp="1" noRot="1" noChangeAspect="1"/>
+          </p:cNvSpPr>
+          <p:nvPr>
+            <p:ph type="sldImg"/>
+          </p:nvPr>
+        </p:nvSpPr>
+        <p:spPr/>
+      </p:sp>
+      <p:sp>
+        <p:nvSpPr>
+          <p:cNvPr id="3" name="Notes Placeholder 2"/>
+          <p:cNvSpPr>
+            <a:spLocks noGrp="1"/>
+          </p:cNvSpPr>
+          <p:nvPr>
+            <p:ph type="body" idx="1"/>
+          </p:nvPr>
+        </p:nvSpPr>
+        <p:spPr/>
+        <p:txBody>
+          <a:bodyPr/>
+          <a:lstStyle/>
+          <a:p>
+            <a:endParaRPr lang="en-US"/>
+          </a:p>
+        </p:txBody>
+      </p:sp>
+      <p:sp>
+        <p:nvSpPr>
+          <p:cNvPr id="4" name="Slide Number Placeholder 3"/>
+          <p:cNvSpPr>
+            <a:spLocks noGrp="1"/>
+          </p:cNvSpPr>
+          <p:nvPr>
+            <p:ph type="sldNum" sz="quarter" idx="10"/>
+          </p:nvPr>
+        </p:nvSpPr>
+        <p:spPr/>
+        <p:txBody>
+          <a:bodyPr/>
+          <a:lstStyle/>
+          <a:p>
+            <a:pPr>
+              <a:defRPr/>
+            </a:pPr>
+            <a:fld id="{DC3734AA-3150-D947-AC52-2F5DF48BFCD5}" type="slidenum">
+              <a:rPr lang="en-US" smtClean="0"/>
+              <a:pPr>
+                <a:defRPr/>
+              </a:pPr>
+              <a:t>15</a:t>
+            </a:fld>
+            <a:endParaRPr lang="en-US" dirty="0"/>
+          </a:p>
+        </p:txBody>
+      </p:sp>
+      <p:sp>
+        <p:nvSpPr>
+          <p:cNvPr id="5" name="Header Placeholder 4"/>
+          <p:cNvSpPr>
+            <a:spLocks noGrp="1"/>
+          </p:cNvSpPr>
+          <p:nvPr>
+            <p:ph type="hdr" sz="quarter" idx="11"/>
+          </p:nvPr>
+        </p:nvSpPr>
+        <p:spPr/>
+        <p:txBody>
+          <a:bodyPr/>
+          <a:lstStyle/>
+          <a:p>
+            <a:pPr>
+              <a:defRPr/>
+            </a:pPr>
+            <a:endParaRPr lang="en-US"/>
+          </a:p>
+        </p:txBody>
+      </p:sp>
+      <p:sp>
+        <p:nvSpPr>
+          <p:cNvPr id="6" name="Footer Placeholder 5"/>
+          <p:cNvSpPr>
+            <a:spLocks noGrp="1"/>
+          </p:cNvSpPr>
+          <p:nvPr>
+            <p:ph type="ftr" sz="quarter" idx="12"/>
+          </p:nvPr>
+        </p:nvSpPr>
+        <p:spPr/>
+        <p:txBody>
+          <a:bodyPr/>
+          <a:lstStyle/>
+          <a:p>
+            <a:pPr>
+              <a:defRPr/>
+            </a:pPr>
+            <a:endParaRPr lang="en-US"/>
+          </a:p>
+        </p:txBody>
+      </p:sp>
+    </p:spTree>
+    <p:extLst>
+      <p:ext uri="{BB962C8B-B14F-4D97-AF65-F5344CB8AC3E}">
+        <p14:creationId xmlns:p14="http://schemas.microsoft.com/office/powerpoint/2010/main" val="1228298597"/>
+      </p:ext>
+    </p:extLst>
+  </p:cSld>
+  <p:clrMapOvr>
+    <a:masterClrMapping/>
+  </p:clrMapOvr>
+</p:notes>
+</file>
+
+<file path=ppt/notesSlides/notesSlide16.xml><?xml version="1.0" encoding="utf-8"?>
+<p:notes xmlns:a="http://schemas.openxmlformats.org/drawingml/2006/main" xmlns:r="http://schemas.openxmlformats.org/officeDocument/2006/relationships" xmlns:p="http://schemas.openxmlformats.org/presentationml/2006/main">
+  <p:cSld>
+    <p:spTree>
+      <p:nvGrpSpPr>
+        <p:cNvPr id="1" name=""/>
+        <p:cNvGrpSpPr/>
+        <p:nvPr/>
+      </p:nvGrpSpPr>
+      <p:grpSpPr>
+        <a:xfrm>
+          <a:off x="0" y="0"/>
+          <a:ext cx="0" cy="0"/>
+          <a:chOff x="0" y="0"/>
+          <a:chExt cx="0" cy="0"/>
+        </a:xfrm>
+      </p:grpSpPr>
+      <p:sp>
+        <p:nvSpPr>
+          <p:cNvPr id="2" name="Slide Image Placeholder 1"/>
+          <p:cNvSpPr>
+            <a:spLocks noGrp="1" noRot="1" noChangeAspect="1"/>
+          </p:cNvSpPr>
+          <p:nvPr>
+            <p:ph type="sldImg"/>
+          </p:nvPr>
+        </p:nvSpPr>
+        <p:spPr/>
+      </p:sp>
+      <p:sp>
+        <p:nvSpPr>
+          <p:cNvPr id="3" name="Notes Placeholder 2"/>
+          <p:cNvSpPr>
+            <a:spLocks noGrp="1"/>
+          </p:cNvSpPr>
+          <p:nvPr>
+            <p:ph type="body" idx="1"/>
+          </p:nvPr>
+        </p:nvSpPr>
+        <p:spPr/>
+        <p:txBody>
+          <a:bodyPr/>
+          <a:lstStyle/>
+          <a:p>
+            <a:endParaRPr lang="en-US"/>
+          </a:p>
+        </p:txBody>
+      </p:sp>
+      <p:sp>
+        <p:nvSpPr>
+          <p:cNvPr id="4" name="Slide Number Placeholder 3"/>
+          <p:cNvSpPr>
+            <a:spLocks noGrp="1"/>
+          </p:cNvSpPr>
+          <p:nvPr>
+            <p:ph type="sldNum" sz="quarter" idx="10"/>
+          </p:nvPr>
+        </p:nvSpPr>
+        <p:spPr/>
+        <p:txBody>
+          <a:bodyPr/>
+          <a:lstStyle/>
+          <a:p>
+            <a:pPr>
+              <a:defRPr/>
+            </a:pPr>
+            <a:fld id="{DC3734AA-3150-D947-AC52-2F5DF48BFCD5}" type="slidenum">
+              <a:rPr lang="en-US" smtClean="0"/>
+              <a:pPr>
+                <a:defRPr/>
+              </a:pPr>
+              <a:t>16</a:t>
+            </a:fld>
+            <a:endParaRPr lang="en-US" dirty="0"/>
+          </a:p>
+        </p:txBody>
+      </p:sp>
+      <p:sp>
+        <p:nvSpPr>
+          <p:cNvPr id="5" name="Header Placeholder 4"/>
+          <p:cNvSpPr>
+            <a:spLocks noGrp="1"/>
+          </p:cNvSpPr>
+          <p:nvPr>
+            <p:ph type="hdr" sz="quarter" idx="11"/>
+          </p:nvPr>
+        </p:nvSpPr>
+        <p:spPr/>
+        <p:txBody>
+          <a:bodyPr/>
+          <a:lstStyle/>
+          <a:p>
+            <a:pPr>
+              <a:defRPr/>
+            </a:pPr>
+            <a:endParaRPr lang="en-US"/>
+          </a:p>
+        </p:txBody>
+      </p:sp>
+      <p:sp>
+        <p:nvSpPr>
+          <p:cNvPr id="6" name="Footer Placeholder 5"/>
+          <p:cNvSpPr>
+            <a:spLocks noGrp="1"/>
+          </p:cNvSpPr>
+          <p:nvPr>
+            <p:ph type="ftr" sz="quarter" idx="12"/>
+          </p:nvPr>
+        </p:nvSpPr>
+        <p:spPr/>
+        <p:txBody>
+          <a:bodyPr/>
+          <a:lstStyle/>
+          <a:p>
+            <a:pPr>
+              <a:defRPr/>
+            </a:pPr>
+            <a:endParaRPr lang="en-US"/>
+          </a:p>
+        </p:txBody>
+      </p:sp>
+    </p:spTree>
+    <p:extLst>
+      <p:ext uri="{BB962C8B-B14F-4D97-AF65-F5344CB8AC3E}">
+        <p14:creationId xmlns:p14="http://schemas.microsoft.com/office/powerpoint/2010/main" val="254221168"/>
+      </p:ext>
+    </p:extLst>
+  </p:cSld>
+  <p:clrMapOvr>
+    <a:masterClrMapping/>
+  </p:clrMapOvr>
+</p:notes>
+</file>
+
+<file path=ppt/notesSlides/notesSlide17.xml><?xml version="1.0" encoding="utf-8"?>
+<p:notes xmlns:a="http://schemas.openxmlformats.org/drawingml/2006/main" xmlns:r="http://schemas.openxmlformats.org/officeDocument/2006/relationships" xmlns:p="http://schemas.openxmlformats.org/presentationml/2006/main">
+  <p:cSld>
+    <p:spTree>
+      <p:nvGrpSpPr>
+        <p:cNvPr id="1" name=""/>
+        <p:cNvGrpSpPr/>
+        <p:nvPr/>
+      </p:nvGrpSpPr>
+      <p:grpSpPr>
+        <a:xfrm>
+          <a:off x="0" y="0"/>
+          <a:ext cx="0" cy="0"/>
+          <a:chOff x="0" y="0"/>
+          <a:chExt cx="0" cy="0"/>
+        </a:xfrm>
+      </p:grpSpPr>
+      <p:sp>
+        <p:nvSpPr>
+          <p:cNvPr id="2" name="Slide Image Placeholder 1"/>
+          <p:cNvSpPr>
+            <a:spLocks noGrp="1" noRot="1" noChangeAspect="1"/>
+          </p:cNvSpPr>
+          <p:nvPr>
+            <p:ph type="sldImg"/>
+          </p:nvPr>
+        </p:nvSpPr>
+        <p:spPr/>
+      </p:sp>
+      <p:sp>
+        <p:nvSpPr>
+          <p:cNvPr id="3" name="Notes Placeholder 2"/>
+          <p:cNvSpPr>
+            <a:spLocks noGrp="1"/>
+          </p:cNvSpPr>
+          <p:nvPr>
+            <p:ph type="body" idx="1"/>
+          </p:nvPr>
+        </p:nvSpPr>
+        <p:spPr/>
+        <p:txBody>
+          <a:bodyPr/>
+          <a:lstStyle/>
+          <a:p>
+            <a:endParaRPr lang="en-US"/>
+          </a:p>
+        </p:txBody>
+      </p:sp>
+      <p:sp>
+        <p:nvSpPr>
+          <p:cNvPr id="4" name="Slide Number Placeholder 3"/>
+          <p:cNvSpPr>
+            <a:spLocks noGrp="1"/>
+          </p:cNvSpPr>
+          <p:nvPr>
+            <p:ph type="sldNum" sz="quarter" idx="10"/>
+          </p:nvPr>
+        </p:nvSpPr>
+        <p:spPr/>
+        <p:txBody>
+          <a:bodyPr/>
+          <a:lstStyle/>
+          <a:p>
+            <a:pPr>
+              <a:defRPr/>
+            </a:pPr>
+            <a:fld id="{DC3734AA-3150-D947-AC52-2F5DF48BFCD5}" type="slidenum">
+              <a:rPr lang="en-US" smtClean="0"/>
+              <a:pPr>
+                <a:defRPr/>
+              </a:pPr>
+              <a:t>17</a:t>
+            </a:fld>
+            <a:endParaRPr lang="en-US" dirty="0"/>
+          </a:p>
+        </p:txBody>
+      </p:sp>
+      <p:sp>
+        <p:nvSpPr>
+          <p:cNvPr id="5" name="Header Placeholder 4"/>
+          <p:cNvSpPr>
+            <a:spLocks noGrp="1"/>
+          </p:cNvSpPr>
+          <p:nvPr>
+            <p:ph type="hdr" sz="quarter" idx="11"/>
+          </p:nvPr>
+        </p:nvSpPr>
+        <p:spPr/>
+        <p:txBody>
+          <a:bodyPr/>
+          <a:lstStyle/>
+          <a:p>
+            <a:pPr>
+              <a:defRPr/>
+            </a:pPr>
+            <a:endParaRPr lang="en-US"/>
+          </a:p>
+        </p:txBody>
+      </p:sp>
+      <p:sp>
+        <p:nvSpPr>
+          <p:cNvPr id="6" name="Footer Placeholder 5"/>
+          <p:cNvSpPr>
+            <a:spLocks noGrp="1"/>
+          </p:cNvSpPr>
+          <p:nvPr>
+            <p:ph type="ftr" sz="quarter" idx="12"/>
+          </p:nvPr>
+        </p:nvSpPr>
+        <p:spPr/>
+        <p:txBody>
+          <a:bodyPr/>
+          <a:lstStyle/>
+          <a:p>
+            <a:pPr>
+              <a:defRPr/>
+            </a:pPr>
+            <a:endParaRPr lang="en-US"/>
+          </a:p>
+        </p:txBody>
+      </p:sp>
+    </p:spTree>
+    <p:extLst>
+      <p:ext uri="{BB962C8B-B14F-4D97-AF65-F5344CB8AC3E}">
+        <p14:creationId xmlns:p14="http://schemas.microsoft.com/office/powerpoint/2010/main" val="1350196693"/>
+      </p:ext>
+    </p:extLst>
+  </p:cSld>
+  <p:clrMapOvr>
+    <a:masterClrMapping/>
+  </p:clrMapOvr>
+</p:notes>
+</file>
+
+<file path=ppt/notesSlides/notesSlide18.xml><?xml version="1.0" encoding="utf-8"?>
+<p:notes xmlns:a="http://schemas.openxmlformats.org/drawingml/2006/main" xmlns:r="http://schemas.openxmlformats.org/officeDocument/2006/relationships" xmlns:p="http://schemas.openxmlformats.org/presentationml/2006/main">
+  <p:cSld>
+    <p:spTree>
+      <p:nvGrpSpPr>
+        <p:cNvPr id="1" name=""/>
+        <p:cNvGrpSpPr/>
+        <p:nvPr/>
+      </p:nvGrpSpPr>
+      <p:grpSpPr>
+        <a:xfrm>
+          <a:off x="0" y="0"/>
+          <a:ext cx="0" cy="0"/>
+          <a:chOff x="0" y="0"/>
+          <a:chExt cx="0" cy="0"/>
+        </a:xfrm>
+      </p:grpSpPr>
+      <p:sp>
+        <p:nvSpPr>
+          <p:cNvPr id="2" name="Slide Image Placeholder 1"/>
+          <p:cNvSpPr>
+            <a:spLocks noGrp="1" noRot="1" noChangeAspect="1"/>
+          </p:cNvSpPr>
+          <p:nvPr>
+            <p:ph type="sldImg"/>
+          </p:nvPr>
+        </p:nvSpPr>
+        <p:spPr/>
+      </p:sp>
+      <p:sp>
+        <p:nvSpPr>
+          <p:cNvPr id="3" name="Notes Placeholder 2"/>
+          <p:cNvSpPr>
+            <a:spLocks noGrp="1"/>
+          </p:cNvSpPr>
+          <p:nvPr>
+            <p:ph type="body" idx="1"/>
+          </p:nvPr>
+        </p:nvSpPr>
+        <p:spPr/>
+        <p:txBody>
+          <a:bodyPr/>
+          <a:lstStyle/>
+          <a:p>
+            <a:endParaRPr lang="en-US"/>
+          </a:p>
+        </p:txBody>
+      </p:sp>
+      <p:sp>
+        <p:nvSpPr>
+          <p:cNvPr id="4" name="Slide Number Placeholder 3"/>
+          <p:cNvSpPr>
+            <a:spLocks noGrp="1"/>
+          </p:cNvSpPr>
+          <p:nvPr>
+            <p:ph type="sldNum" sz="quarter" idx="10"/>
+          </p:nvPr>
+        </p:nvSpPr>
+        <p:spPr/>
+        <p:txBody>
+          <a:bodyPr/>
+          <a:lstStyle/>
+          <a:p>
+            <a:pPr>
+              <a:defRPr/>
+            </a:pPr>
+            <a:fld id="{DC3734AA-3150-D947-AC52-2F5DF48BFCD5}" type="slidenum">
+              <a:rPr lang="en-US" smtClean="0"/>
+              <a:pPr>
+                <a:defRPr/>
+              </a:pPr>
+              <a:t>18</a:t>
+            </a:fld>
+            <a:endParaRPr lang="en-US" dirty="0"/>
+          </a:p>
+        </p:txBody>
+      </p:sp>
+      <p:sp>
+        <p:nvSpPr>
+          <p:cNvPr id="5" name="Header Placeholder 4"/>
+          <p:cNvSpPr>
+            <a:spLocks noGrp="1"/>
+          </p:cNvSpPr>
+          <p:nvPr>
+            <p:ph type="hdr" sz="quarter" idx="11"/>
+          </p:nvPr>
+        </p:nvSpPr>
+        <p:spPr/>
+        <p:txBody>
+          <a:bodyPr/>
+          <a:lstStyle/>
+          <a:p>
+            <a:pPr>
+              <a:defRPr/>
+            </a:pPr>
+            <a:endParaRPr lang="en-US"/>
+          </a:p>
+        </p:txBody>
+      </p:sp>
+      <p:sp>
+        <p:nvSpPr>
+          <p:cNvPr id="6" name="Footer Placeholder 5"/>
+          <p:cNvSpPr>
+            <a:spLocks noGrp="1"/>
+          </p:cNvSpPr>
+          <p:nvPr>
+            <p:ph type="ftr" sz="quarter" idx="12"/>
+          </p:nvPr>
+        </p:nvSpPr>
+        <p:spPr/>
+        <p:txBody>
+          <a:bodyPr/>
+          <a:lstStyle/>
+          <a:p>
+            <a:pPr>
+              <a:defRPr/>
+            </a:pPr>
+            <a:endParaRPr lang="en-US"/>
+          </a:p>
+        </p:txBody>
+      </p:sp>
+    </p:spTree>
+    <p:extLst>
+      <p:ext uri="{BB962C8B-B14F-4D97-AF65-F5344CB8AC3E}">
+        <p14:creationId xmlns:p14="http://schemas.microsoft.com/office/powerpoint/2010/main" val="296121402"/>
+      </p:ext>
+    </p:extLst>
+  </p:cSld>
+  <p:clrMapOvr>
+    <a:masterClrMapping/>
+  </p:clrMapOvr>
+</p:notes>
+</file>
+
+<file path=ppt/notesSlides/notesSlide19.xml><?xml version="1.0" encoding="utf-8"?>
+<p:notes xmlns:a="http://schemas.openxmlformats.org/drawingml/2006/main" xmlns:r="http://schemas.openxmlformats.org/officeDocument/2006/relationships" xmlns:p="http://schemas.openxmlformats.org/presentationml/2006/main">
+  <p:cSld>
+    <p:spTree>
+      <p:nvGrpSpPr>
+        <p:cNvPr id="1" name=""/>
+        <p:cNvGrpSpPr/>
+        <p:nvPr/>
+      </p:nvGrpSpPr>
+      <p:grpSpPr>
+        <a:xfrm>
+          <a:off x="0" y="0"/>
+          <a:ext cx="0" cy="0"/>
+          <a:chOff x="0" y="0"/>
+          <a:chExt cx="0" cy="0"/>
+        </a:xfrm>
+      </p:grpSpPr>
+      <p:sp>
+        <p:nvSpPr>
+          <p:cNvPr id="2" name="Slide Image Placeholder 1"/>
+          <p:cNvSpPr>
+            <a:spLocks noGrp="1" noRot="1" noChangeAspect="1"/>
+          </p:cNvSpPr>
+          <p:nvPr>
+            <p:ph type="sldImg"/>
+          </p:nvPr>
+        </p:nvSpPr>
+        <p:spPr/>
+      </p:sp>
+      <p:sp>
+        <p:nvSpPr>
+          <p:cNvPr id="3" name="Notes Placeholder 2"/>
+          <p:cNvSpPr>
+            <a:spLocks noGrp="1"/>
+          </p:cNvSpPr>
+          <p:nvPr>
+            <p:ph type="body" idx="1"/>
+          </p:nvPr>
+        </p:nvSpPr>
+        <p:spPr/>
+        <p:txBody>
+          <a:bodyPr/>
+          <a:lstStyle/>
+          <a:p>
+            <a:endParaRPr lang="en-US"/>
+          </a:p>
+        </p:txBody>
+      </p:sp>
+      <p:sp>
+        <p:nvSpPr>
+          <p:cNvPr id="4" name="Slide Number Placeholder 3"/>
+          <p:cNvSpPr>
+            <a:spLocks noGrp="1"/>
+          </p:cNvSpPr>
+          <p:nvPr>
+            <p:ph type="sldNum" sz="quarter" idx="10"/>
+          </p:nvPr>
+        </p:nvSpPr>
+        <p:spPr/>
+        <p:txBody>
+          <a:bodyPr/>
+          <a:lstStyle/>
+          <a:p>
+            <a:pPr>
+              <a:defRPr/>
+            </a:pPr>
+            <a:fld id="{DC3734AA-3150-D947-AC52-2F5DF48BFCD5}" type="slidenum">
+              <a:rPr lang="en-US" smtClean="0"/>
+              <a:pPr>
+                <a:defRPr/>
+              </a:pPr>
+              <a:t>19</a:t>
+            </a:fld>
+            <a:endParaRPr lang="en-US" dirty="0"/>
+          </a:p>
+        </p:txBody>
+      </p:sp>
+      <p:sp>
+        <p:nvSpPr>
+          <p:cNvPr id="5" name="Header Placeholder 4"/>
+          <p:cNvSpPr>
+            <a:spLocks noGrp="1"/>
+          </p:cNvSpPr>
+          <p:nvPr>
+            <p:ph type="hdr" sz="quarter" idx="11"/>
+          </p:nvPr>
+        </p:nvSpPr>
+        <p:spPr/>
+        <p:txBody>
+          <a:bodyPr/>
+          <a:lstStyle/>
+          <a:p>
+            <a:pPr>
+              <a:defRPr/>
+            </a:pPr>
+            <a:endParaRPr lang="en-US"/>
+          </a:p>
+        </p:txBody>
+      </p:sp>
+      <p:sp>
+        <p:nvSpPr>
+          <p:cNvPr id="6" name="Footer Placeholder 5"/>
+          <p:cNvSpPr>
+            <a:spLocks noGrp="1"/>
+          </p:cNvSpPr>
+          <p:nvPr>
+            <p:ph type="ftr" sz="quarter" idx="12"/>
+          </p:nvPr>
+        </p:nvSpPr>
+        <p:spPr/>
+        <p:txBody>
+          <a:bodyPr/>
+          <a:lstStyle/>
+          <a:p>
+            <a:pPr>
+              <a:defRPr/>
+            </a:pPr>
+            <a:endParaRPr lang="en-US"/>
+          </a:p>
+        </p:txBody>
+      </p:sp>
+    </p:spTree>
+    <p:extLst>
+      <p:ext uri="{BB962C8B-B14F-4D97-AF65-F5344CB8AC3E}">
+        <p14:creationId xmlns:p14="http://schemas.microsoft.com/office/powerpoint/2010/main" val="1192793315"/>
+      </p:ext>
+    </p:extLst>
+  </p:cSld>
+  <p:clrMapOvr>
+    <a:masterClrMapping/>
+  </p:clrMapOvr>
+</p:notes>
+</file>
+
+<file path=ppt/notesSlides/notesSlide2.xml><?xml version="1.0" encoding="utf-8"?>
+<p:notes xmlns:a="http://schemas.openxmlformats.org/drawingml/2006/main" xmlns:r="http://schemas.openxmlformats.org/officeDocument/2006/relationships" xmlns:p="http://schemas.openxmlformats.org/presentationml/2006/main">
+  <p:cSld>
+    <p:spTree>
+      <p:nvGrpSpPr>
+        <p:cNvPr id="1" name=""/>
+        <p:cNvGrpSpPr/>
+        <p:nvPr/>
+      </p:nvGrpSpPr>
+      <p:grpSpPr>
+        <a:xfrm>
+          <a:off x="0" y="0"/>
+          <a:ext cx="0" cy="0"/>
+          <a:chOff x="0" y="0"/>
+          <a:chExt cx="0" cy="0"/>
+        </a:xfrm>
+      </p:grpSpPr>
+      <p:sp>
+        <p:nvSpPr>
+          <p:cNvPr id="2" name="Slide Image Placeholder 1"/>
+          <p:cNvSpPr>
+            <a:spLocks noGrp="1" noRot="1" noChangeAspect="1"/>
+          </p:cNvSpPr>
+          <p:nvPr>
+            <p:ph type="sldImg"/>
+          </p:nvPr>
+        </p:nvSpPr>
+        <p:spPr/>
+      </p:sp>
+      <p:sp>
+        <p:nvSpPr>
+          <p:cNvPr id="3" name="Notes Placeholder 2"/>
+          <p:cNvSpPr>
+            <a:spLocks noGrp="1"/>
+          </p:cNvSpPr>
+          <p:nvPr>
+            <p:ph type="body" idx="1"/>
+          </p:nvPr>
+        </p:nvSpPr>
+        <p:spPr/>
+        <p:txBody>
+          <a:bodyPr/>
+          <a:lstStyle/>
+          <a:p>
+            <a:endParaRPr lang="en-US"/>
+          </a:p>
+        </p:txBody>
+      </p:sp>
+      <p:sp>
+        <p:nvSpPr>
+          <p:cNvPr id="4" name="Slide Number Placeholder 3"/>
+          <p:cNvSpPr>
+            <a:spLocks noGrp="1"/>
+          </p:cNvSpPr>
+          <p:nvPr>
+            <p:ph type="sldNum" sz="quarter" idx="10"/>
+          </p:nvPr>
+        </p:nvSpPr>
+        <p:spPr/>
+        <p:txBody>
+          <a:bodyPr/>
+          <a:lstStyle/>
+          <a:p>
+            <a:pPr>
+              <a:defRPr/>
+            </a:pPr>
+            <a:fld id="{DC3734AA-3150-D947-AC52-2F5DF48BFCD5}" type="slidenum">
+              <a:rPr lang="en-US" smtClean="0"/>
+              <a:pPr>
+                <a:defRPr/>
+              </a:pPr>
+              <a:t>2</a:t>
+            </a:fld>
+            <a:endParaRPr lang="en-US" dirty="0"/>
+          </a:p>
+        </p:txBody>
+      </p:sp>
+      <p:sp>
+        <p:nvSpPr>
+          <p:cNvPr id="5" name="Header Placeholder 4"/>
+          <p:cNvSpPr>
+            <a:spLocks noGrp="1"/>
+          </p:cNvSpPr>
+          <p:nvPr>
+            <p:ph type="hdr" sz="quarter" idx="11"/>
+          </p:nvPr>
+        </p:nvSpPr>
+        <p:spPr/>
+        <p:txBody>
+          <a:bodyPr/>
+          <a:lstStyle/>
+          <a:p>
+            <a:pPr>
+              <a:defRPr/>
+            </a:pPr>
+            <a:endParaRPr lang="en-US"/>
+          </a:p>
+        </p:txBody>
+      </p:sp>
+      <p:sp>
+        <p:nvSpPr>
+          <p:cNvPr id="6" name="Footer Placeholder 5"/>
+          <p:cNvSpPr>
+            <a:spLocks noGrp="1"/>
+          </p:cNvSpPr>
+          <p:nvPr>
+            <p:ph type="ftr" sz="quarter" idx="12"/>
+          </p:nvPr>
+        </p:nvSpPr>
+        <p:spPr/>
+        <p:txBody>
+          <a:bodyPr/>
+          <a:lstStyle/>
+          <a:p>
+            <a:pPr>
+              <a:defRPr/>
+            </a:pPr>
+            <a:endParaRPr lang="en-US"/>
+          </a:p>
+        </p:txBody>
+      </p:sp>
+    </p:spTree>
+    <p:extLst>
+      <p:ext uri="{BB962C8B-B14F-4D97-AF65-F5344CB8AC3E}">
+        <p14:creationId xmlns:p14="http://schemas.microsoft.com/office/powerpoint/2010/main" val="1329934416"/>
+      </p:ext>
+    </p:extLst>
+  </p:cSld>
+  <p:clrMapOvr>
+    <a:masterClrMapping/>
+  </p:clrMapOvr>
+</p:notes>
+</file>
+
+<file path=ppt/notesSlides/notesSlide20.xml><?xml version="1.0" encoding="utf-8"?>
+<p:notes xmlns:a="http://schemas.openxmlformats.org/drawingml/2006/main" xmlns:r="http://schemas.openxmlformats.org/officeDocument/2006/relationships" xmlns:p="http://schemas.openxmlformats.org/presentationml/2006/main">
+  <p:cSld>
+    <p:spTree>
+      <p:nvGrpSpPr>
+        <p:cNvPr id="1" name=""/>
+        <p:cNvGrpSpPr/>
+        <p:nvPr/>
+      </p:nvGrpSpPr>
+      <p:grpSpPr>
+        <a:xfrm>
+          <a:off x="0" y="0"/>
+          <a:ext cx="0" cy="0"/>
+          <a:chOff x="0" y="0"/>
+          <a:chExt cx="0" cy="0"/>
+        </a:xfrm>
+      </p:grpSpPr>
+      <p:sp>
+        <p:nvSpPr>
+          <p:cNvPr id="2" name="Slide Image Placeholder 1"/>
+          <p:cNvSpPr>
+            <a:spLocks noGrp="1" noRot="1" noChangeAspect="1"/>
+          </p:cNvSpPr>
+          <p:nvPr>
+            <p:ph type="sldImg"/>
+          </p:nvPr>
+        </p:nvSpPr>
+        <p:spPr/>
+      </p:sp>
+      <p:sp>
+        <p:nvSpPr>
+          <p:cNvPr id="3" name="Notes Placeholder 2"/>
+          <p:cNvSpPr>
+            <a:spLocks noGrp="1"/>
+          </p:cNvSpPr>
+          <p:nvPr>
+            <p:ph type="body" idx="1"/>
+          </p:nvPr>
+        </p:nvSpPr>
+        <p:spPr/>
+        <p:txBody>
+          <a:bodyPr/>
+          <a:lstStyle/>
+          <a:p>
+            <a:endParaRPr lang="en-US"/>
+          </a:p>
+        </p:txBody>
+      </p:sp>
+      <p:sp>
+        <p:nvSpPr>
+          <p:cNvPr id="4" name="Slide Number Placeholder 3"/>
+          <p:cNvSpPr>
+            <a:spLocks noGrp="1"/>
+          </p:cNvSpPr>
+          <p:nvPr>
+            <p:ph type="sldNum" sz="quarter" idx="10"/>
+          </p:nvPr>
+        </p:nvSpPr>
+        <p:spPr/>
+        <p:txBody>
+          <a:bodyPr/>
+          <a:lstStyle/>
+          <a:p>
+            <a:pPr>
+              <a:defRPr/>
+            </a:pPr>
+            <a:fld id="{DC3734AA-3150-D947-AC52-2F5DF48BFCD5}" type="slidenum">
+              <a:rPr lang="en-US" smtClean="0"/>
+              <a:pPr>
+                <a:defRPr/>
+              </a:pPr>
+              <a:t>20</a:t>
+            </a:fld>
+            <a:endParaRPr lang="en-US" dirty="0"/>
+          </a:p>
+        </p:txBody>
+      </p:sp>
+      <p:sp>
+        <p:nvSpPr>
+          <p:cNvPr id="5" name="Header Placeholder 4"/>
+          <p:cNvSpPr>
+            <a:spLocks noGrp="1"/>
+          </p:cNvSpPr>
+          <p:nvPr>
+            <p:ph type="hdr" sz="quarter" idx="11"/>
+          </p:nvPr>
+        </p:nvSpPr>
+        <p:spPr/>
+        <p:txBody>
+          <a:bodyPr/>
+          <a:lstStyle/>
+          <a:p>
+            <a:pPr>
+              <a:defRPr/>
+            </a:pPr>
+            <a:endParaRPr lang="en-US"/>
+          </a:p>
+        </p:txBody>
+      </p:sp>
+      <p:sp>
+        <p:nvSpPr>
+          <p:cNvPr id="6" name="Footer Placeholder 5"/>
+          <p:cNvSpPr>
+            <a:spLocks noGrp="1"/>
+          </p:cNvSpPr>
+          <p:nvPr>
+            <p:ph type="ftr" sz="quarter" idx="12"/>
+          </p:nvPr>
+        </p:nvSpPr>
+        <p:spPr/>
+        <p:txBody>
+          <a:bodyPr/>
+          <a:lstStyle/>
+          <a:p>
+            <a:pPr>
+              <a:defRPr/>
+            </a:pPr>
+            <a:endParaRPr lang="en-US"/>
+          </a:p>
+        </p:txBody>
+      </p:sp>
+    </p:spTree>
+    <p:extLst>
+      <p:ext uri="{BB962C8B-B14F-4D97-AF65-F5344CB8AC3E}">
+        <p14:creationId xmlns:p14="http://schemas.microsoft.com/office/powerpoint/2010/main" val="517400460"/>
+      </p:ext>
+    </p:extLst>
+  </p:cSld>
+  <p:clrMapOvr>
+    <a:masterClrMapping/>
+  </p:clrMapOvr>
+</p:notes>
+</file>
+
+<file path=ppt/notesSlides/notesSlide21.xml><?xml version="1.0" encoding="utf-8"?>
+<p:notes xmlns:a="http://schemas.openxmlformats.org/drawingml/2006/main" xmlns:r="http://schemas.openxmlformats.org/officeDocument/2006/relationships" xmlns:p="http://schemas.openxmlformats.org/presentationml/2006/main">
+  <p:cSld>
+    <p:spTree>
+      <p:nvGrpSpPr>
+        <p:cNvPr id="1" name=""/>
+        <p:cNvGrpSpPr/>
+        <p:nvPr/>
+      </p:nvGrpSpPr>
+      <p:grpSpPr>
+        <a:xfrm>
+          <a:off x="0" y="0"/>
+          <a:ext cx="0" cy="0"/>
+          <a:chOff x="0" y="0"/>
+          <a:chExt cx="0" cy="0"/>
+        </a:xfrm>
+      </p:grpSpPr>
+      <p:sp>
+        <p:nvSpPr>
+          <p:cNvPr id="2" name="Slide Image Placeholder 1"/>
+          <p:cNvSpPr>
+            <a:spLocks noGrp="1" noRot="1" noChangeAspect="1"/>
+          </p:cNvSpPr>
+          <p:nvPr>
+            <p:ph type="sldImg"/>
+          </p:nvPr>
+        </p:nvSpPr>
+        <p:spPr/>
+      </p:sp>
+      <p:sp>
+        <p:nvSpPr>
+          <p:cNvPr id="3" name="Notes Placeholder 2"/>
+          <p:cNvSpPr>
+            <a:spLocks noGrp="1"/>
+          </p:cNvSpPr>
+          <p:nvPr>
+            <p:ph type="body" idx="1"/>
+          </p:nvPr>
+        </p:nvSpPr>
+        <p:spPr/>
+        <p:txBody>
+          <a:bodyPr/>
+          <a:lstStyle/>
+          <a:p>
+            <a:endParaRPr lang="en-US"/>
+          </a:p>
+        </p:txBody>
+      </p:sp>
+      <p:sp>
+        <p:nvSpPr>
+          <p:cNvPr id="4" name="Slide Number Placeholder 3"/>
+          <p:cNvSpPr>
+            <a:spLocks noGrp="1"/>
+          </p:cNvSpPr>
+          <p:nvPr>
+            <p:ph type="sldNum" sz="quarter" idx="10"/>
+          </p:nvPr>
+        </p:nvSpPr>
+        <p:spPr/>
+        <p:txBody>
+          <a:bodyPr/>
+          <a:lstStyle/>
+          <a:p>
+            <a:pPr>
+              <a:defRPr/>
+            </a:pPr>
+            <a:fld id="{DC3734AA-3150-D947-AC52-2F5DF48BFCD5}" type="slidenum">
+              <a:rPr lang="en-US" smtClean="0"/>
+              <a:pPr>
+                <a:defRPr/>
+              </a:pPr>
+              <a:t>21</a:t>
+            </a:fld>
+            <a:endParaRPr lang="en-US" dirty="0"/>
+          </a:p>
+        </p:txBody>
+      </p:sp>
+      <p:sp>
+        <p:nvSpPr>
+          <p:cNvPr id="5" name="Header Placeholder 4"/>
+          <p:cNvSpPr>
+            <a:spLocks noGrp="1"/>
+          </p:cNvSpPr>
+          <p:nvPr>
+            <p:ph type="hdr" sz="quarter" idx="11"/>
+          </p:nvPr>
+        </p:nvSpPr>
+        <p:spPr/>
+        <p:txBody>
+          <a:bodyPr/>
+          <a:lstStyle/>
+          <a:p>
+            <a:pPr>
+              <a:defRPr/>
+            </a:pPr>
+            <a:endParaRPr lang="en-US"/>
+          </a:p>
+        </p:txBody>
+      </p:sp>
+      <p:sp>
+        <p:nvSpPr>
+          <p:cNvPr id="6" name="Footer Placeholder 5"/>
+          <p:cNvSpPr>
+            <a:spLocks noGrp="1"/>
+          </p:cNvSpPr>
+          <p:nvPr>
+            <p:ph type="ftr" sz="quarter" idx="12"/>
+          </p:nvPr>
+        </p:nvSpPr>
+        <p:spPr/>
+        <p:txBody>
+          <a:bodyPr/>
+          <a:lstStyle/>
+          <a:p>
+            <a:pPr>
+              <a:defRPr/>
+            </a:pPr>
+            <a:endParaRPr lang="en-US"/>
+          </a:p>
+        </p:txBody>
+      </p:sp>
+    </p:spTree>
+    <p:extLst>
+      <p:ext uri="{BB962C8B-B14F-4D97-AF65-F5344CB8AC3E}">
+        <p14:creationId xmlns:p14="http://schemas.microsoft.com/office/powerpoint/2010/main" val="788244517"/>
+      </p:ext>
+    </p:extLst>
+  </p:cSld>
+  <p:clrMapOvr>
+    <a:masterClrMapping/>
+  </p:clrMapOvr>
+</p:notes>
+</file>
+
+<file path=ppt/notesSlides/notesSlide22.xml><?xml version="1.0" encoding="utf-8"?>
+<p:notes xmlns:a="http://schemas.openxmlformats.org/drawingml/2006/main" xmlns:r="http://schemas.openxmlformats.org/officeDocument/2006/relationships" xmlns:p="http://schemas.openxmlformats.org/presentationml/2006/main">
+  <p:cSld>
+    <p:spTree>
+      <p:nvGrpSpPr>
+        <p:cNvPr id="1" name=""/>
+        <p:cNvGrpSpPr/>
+        <p:nvPr/>
+      </p:nvGrpSpPr>
+      <p:grpSpPr>
+        <a:xfrm>
+          <a:off x="0" y="0"/>
+          <a:ext cx="0" cy="0"/>
+          <a:chOff x="0" y="0"/>
+          <a:chExt cx="0" cy="0"/>
+        </a:xfrm>
+      </p:grpSpPr>
+      <p:sp>
+        <p:nvSpPr>
+          <p:cNvPr id="2" name="Slide Image Placeholder 1"/>
+          <p:cNvSpPr>
+            <a:spLocks noGrp="1" noRot="1" noChangeAspect="1"/>
+          </p:cNvSpPr>
+          <p:nvPr>
+            <p:ph type="sldImg"/>
+          </p:nvPr>
+        </p:nvSpPr>
+        <p:spPr/>
+      </p:sp>
+      <p:sp>
+        <p:nvSpPr>
+          <p:cNvPr id="3" name="Notes Placeholder 2"/>
+          <p:cNvSpPr>
+            <a:spLocks noGrp="1"/>
+          </p:cNvSpPr>
+          <p:nvPr>
+            <p:ph type="body" idx="1"/>
+          </p:nvPr>
+        </p:nvSpPr>
+        <p:spPr/>
+        <p:txBody>
+          <a:bodyPr/>
+          <a:lstStyle/>
+          <a:p>
+            <a:endParaRPr lang="en-US"/>
+          </a:p>
+        </p:txBody>
+      </p:sp>
+      <p:sp>
+        <p:nvSpPr>
+          <p:cNvPr id="4" name="Slide Number Placeholder 3"/>
+          <p:cNvSpPr>
+            <a:spLocks noGrp="1"/>
+          </p:cNvSpPr>
+          <p:nvPr>
+            <p:ph type="sldNum" sz="quarter" idx="10"/>
+          </p:nvPr>
+        </p:nvSpPr>
+        <p:spPr/>
+        <p:txBody>
+          <a:bodyPr/>
+          <a:lstStyle/>
+          <a:p>
+            <a:pPr>
+              <a:defRPr/>
+            </a:pPr>
+            <a:fld id="{DC3734AA-3150-D947-AC52-2F5DF48BFCD5}" type="slidenum">
+              <a:rPr lang="en-US" smtClean="0"/>
+              <a:pPr>
+                <a:defRPr/>
+              </a:pPr>
+              <a:t>22</a:t>
+            </a:fld>
+            <a:endParaRPr lang="en-US" dirty="0"/>
+          </a:p>
+        </p:txBody>
+      </p:sp>
+      <p:sp>
+        <p:nvSpPr>
+          <p:cNvPr id="5" name="Header Placeholder 4"/>
+          <p:cNvSpPr>
+            <a:spLocks noGrp="1"/>
+          </p:cNvSpPr>
+          <p:nvPr>
+            <p:ph type="hdr" sz="quarter" idx="11"/>
+          </p:nvPr>
+        </p:nvSpPr>
+        <p:spPr/>
+        <p:txBody>
+          <a:bodyPr/>
+          <a:lstStyle/>
+          <a:p>
+            <a:pPr>
+              <a:defRPr/>
+            </a:pPr>
+            <a:endParaRPr lang="en-US"/>
+          </a:p>
+        </p:txBody>
+      </p:sp>
+      <p:sp>
+        <p:nvSpPr>
+          <p:cNvPr id="6" name="Footer Placeholder 5"/>
+          <p:cNvSpPr>
+            <a:spLocks noGrp="1"/>
+          </p:cNvSpPr>
+          <p:nvPr>
+            <p:ph type="ftr" sz="quarter" idx="12"/>
+          </p:nvPr>
+        </p:nvSpPr>
+        <p:spPr/>
+        <p:txBody>
+          <a:bodyPr/>
+          <a:lstStyle/>
+          <a:p>
+            <a:pPr>
+              <a:defRPr/>
+            </a:pPr>
+            <a:endParaRPr lang="en-US"/>
+          </a:p>
+        </p:txBody>
+      </p:sp>
+    </p:spTree>
+    <p:extLst>
+      <p:ext uri="{BB962C8B-B14F-4D97-AF65-F5344CB8AC3E}">
+        <p14:creationId xmlns:p14="http://schemas.microsoft.com/office/powerpoint/2010/main" val="198978876"/>
+      </p:ext>
+    </p:extLst>
+  </p:cSld>
+  <p:clrMapOvr>
+    <a:masterClrMapping/>
+  </p:clrMapOvr>
+</p:notes>
+</file>
+
+<file path=ppt/notesSlides/notesSlide23.xml><?xml version="1.0" encoding="utf-8"?>
+<p:notes xmlns:a="http://schemas.openxmlformats.org/drawingml/2006/main" xmlns:r="http://schemas.openxmlformats.org/officeDocument/2006/relationships" xmlns:p="http://schemas.openxmlformats.org/presentationml/2006/main">
+  <p:cSld>
+    <p:spTree>
+      <p:nvGrpSpPr>
+        <p:cNvPr id="1" name=""/>
+        <p:cNvGrpSpPr/>
+        <p:nvPr/>
+      </p:nvGrpSpPr>
+      <p:grpSpPr>
+        <a:xfrm>
+          <a:off x="0" y="0"/>
+          <a:ext cx="0" cy="0"/>
+          <a:chOff x="0" y="0"/>
+          <a:chExt cx="0" cy="0"/>
+        </a:xfrm>
+      </p:grpSpPr>
+      <p:sp>
+        <p:nvSpPr>
+          <p:cNvPr id="2" name="Slide Image Placeholder 1"/>
+          <p:cNvSpPr>
+            <a:spLocks noGrp="1" noRot="1" noChangeAspect="1"/>
+          </p:cNvSpPr>
+          <p:nvPr>
+            <p:ph type="sldImg"/>
+          </p:nvPr>
+        </p:nvSpPr>
+        <p:spPr/>
+      </p:sp>
+      <p:sp>
+        <p:nvSpPr>
+          <p:cNvPr id="3" name="Notes Placeholder 2"/>
+          <p:cNvSpPr>
+            <a:spLocks noGrp="1"/>
+          </p:cNvSpPr>
+          <p:nvPr>
+            <p:ph type="body" idx="1"/>
+          </p:nvPr>
+        </p:nvSpPr>
+        <p:spPr/>
+        <p:txBody>
+          <a:bodyPr/>
+          <a:lstStyle/>
+          <a:p>
+            <a:endParaRPr lang="en-US"/>
+          </a:p>
+        </p:txBody>
+      </p:sp>
+      <p:sp>
+        <p:nvSpPr>
+          <p:cNvPr id="4" name="Slide Number Placeholder 3"/>
+          <p:cNvSpPr>
+            <a:spLocks noGrp="1"/>
+          </p:cNvSpPr>
+          <p:nvPr>
+            <p:ph type="sldNum" sz="quarter" idx="10"/>
+          </p:nvPr>
+        </p:nvSpPr>
+        <p:spPr/>
+        <p:txBody>
+          <a:bodyPr/>
+          <a:lstStyle/>
+          <a:p>
+            <a:pPr>
+              <a:defRPr/>
+            </a:pPr>
+            <a:fld id="{DC3734AA-3150-D947-AC52-2F5DF48BFCD5}" type="slidenum">
+              <a:rPr lang="en-US" smtClean="0"/>
+              <a:pPr>
+                <a:defRPr/>
+              </a:pPr>
+              <a:t>23</a:t>
+            </a:fld>
+            <a:endParaRPr lang="en-US" dirty="0"/>
+          </a:p>
+        </p:txBody>
+      </p:sp>
+      <p:sp>
+        <p:nvSpPr>
+          <p:cNvPr id="5" name="Header Placeholder 4"/>
+          <p:cNvSpPr>
+            <a:spLocks noGrp="1"/>
+          </p:cNvSpPr>
+          <p:nvPr>
+            <p:ph type="hdr" sz="quarter" idx="11"/>
+          </p:nvPr>
+        </p:nvSpPr>
+        <p:spPr/>
+        <p:txBody>
+          <a:bodyPr/>
+          <a:lstStyle/>
+          <a:p>
+            <a:pPr>
+              <a:defRPr/>
+            </a:pPr>
+            <a:endParaRPr lang="en-US"/>
+          </a:p>
+        </p:txBody>
+      </p:sp>
+      <p:sp>
+        <p:nvSpPr>
+          <p:cNvPr id="6" name="Footer Placeholder 5"/>
+          <p:cNvSpPr>
+            <a:spLocks noGrp="1"/>
+          </p:cNvSpPr>
+          <p:nvPr>
+            <p:ph type="ftr" sz="quarter" idx="12"/>
+          </p:nvPr>
+        </p:nvSpPr>
+        <p:spPr/>
+        <p:txBody>
+          <a:bodyPr/>
+          <a:lstStyle/>
+          <a:p>
+            <a:pPr>
+              <a:defRPr/>
+            </a:pPr>
+            <a:endParaRPr lang="en-US"/>
+          </a:p>
+        </p:txBody>
+      </p:sp>
+    </p:spTree>
+    <p:extLst>
+      <p:ext uri="{BB962C8B-B14F-4D97-AF65-F5344CB8AC3E}">
+        <p14:creationId xmlns:p14="http://schemas.microsoft.com/office/powerpoint/2010/main" val="1802792857"/>
+      </p:ext>
+    </p:extLst>
+  </p:cSld>
+  <p:clrMapOvr>
+    <a:masterClrMapping/>
+  </p:clrMapOvr>
+</p:notes>
+</file>
+
+<file path=ppt/notesSlides/notesSlide24.xml><?xml version="1.0" encoding="utf-8"?>
+<p:notes xmlns:a="http://schemas.openxmlformats.org/drawingml/2006/main" xmlns:r="http://schemas.openxmlformats.org/officeDocument/2006/relationships" xmlns:p="http://schemas.openxmlformats.org/presentationml/2006/main">
+  <p:cSld>
+    <p:spTree>
+      <p:nvGrpSpPr>
+        <p:cNvPr id="1" name=""/>
+        <p:cNvGrpSpPr/>
+        <p:nvPr/>
+      </p:nvGrpSpPr>
+      <p:grpSpPr>
+        <a:xfrm>
+          <a:off x="0" y="0"/>
+          <a:ext cx="0" cy="0"/>
+          <a:chOff x="0" y="0"/>
+          <a:chExt cx="0" cy="0"/>
+        </a:xfrm>
+      </p:grpSpPr>
+      <p:sp>
+        <p:nvSpPr>
+          <p:cNvPr id="2" name="Slide Image Placeholder 1"/>
+          <p:cNvSpPr>
+            <a:spLocks noGrp="1" noRot="1" noChangeAspect="1"/>
+          </p:cNvSpPr>
+          <p:nvPr>
+            <p:ph type="sldImg"/>
+          </p:nvPr>
+        </p:nvSpPr>
+        <p:spPr/>
+      </p:sp>
+      <p:sp>
+        <p:nvSpPr>
+          <p:cNvPr id="3" name="Notes Placeholder 2"/>
+          <p:cNvSpPr>
+            <a:spLocks noGrp="1"/>
+          </p:cNvSpPr>
+          <p:nvPr>
+            <p:ph type="body" idx="1"/>
+          </p:nvPr>
+        </p:nvSpPr>
+        <p:spPr/>
+        <p:txBody>
+          <a:bodyPr/>
+          <a:lstStyle/>
+          <a:p>
+            <a:endParaRPr lang="en-US"/>
+          </a:p>
+        </p:txBody>
+      </p:sp>
+      <p:sp>
+        <p:nvSpPr>
+          <p:cNvPr id="4" name="Slide Number Placeholder 3"/>
+          <p:cNvSpPr>
+            <a:spLocks noGrp="1"/>
+          </p:cNvSpPr>
+          <p:nvPr>
+            <p:ph type="sldNum" sz="quarter" idx="10"/>
+          </p:nvPr>
+        </p:nvSpPr>
+        <p:spPr/>
+        <p:txBody>
+          <a:bodyPr/>
+          <a:lstStyle/>
+          <a:p>
+            <a:pPr>
+              <a:defRPr/>
+            </a:pPr>
+            <a:fld id="{DC3734AA-3150-D947-AC52-2F5DF48BFCD5}" type="slidenum">
+              <a:rPr lang="en-US" smtClean="0"/>
+              <a:pPr>
+                <a:defRPr/>
+              </a:pPr>
+              <a:t>24</a:t>
+            </a:fld>
+            <a:endParaRPr lang="en-US" dirty="0"/>
+          </a:p>
+        </p:txBody>
+      </p:sp>
+      <p:sp>
+        <p:nvSpPr>
+          <p:cNvPr id="5" name="Header Placeholder 4"/>
+          <p:cNvSpPr>
+            <a:spLocks noGrp="1"/>
+          </p:cNvSpPr>
+          <p:nvPr>
+            <p:ph type="hdr" sz="quarter" idx="11"/>
+          </p:nvPr>
+        </p:nvSpPr>
+        <p:spPr/>
+        <p:txBody>
+          <a:bodyPr/>
+          <a:lstStyle/>
+          <a:p>
+            <a:pPr>
+              <a:defRPr/>
+            </a:pPr>
+            <a:endParaRPr lang="en-US"/>
+          </a:p>
+        </p:txBody>
+      </p:sp>
+      <p:sp>
+        <p:nvSpPr>
+          <p:cNvPr id="6" name="Footer Placeholder 5"/>
+          <p:cNvSpPr>
+            <a:spLocks noGrp="1"/>
+          </p:cNvSpPr>
+          <p:nvPr>
+            <p:ph type="ftr" sz="quarter" idx="12"/>
+          </p:nvPr>
+        </p:nvSpPr>
+        <p:spPr/>
+        <p:txBody>
+          <a:bodyPr/>
+          <a:lstStyle/>
+          <a:p>
+            <a:pPr>
+              <a:defRPr/>
+            </a:pPr>
+            <a:endParaRPr lang="en-US"/>
+          </a:p>
+        </p:txBody>
+      </p:sp>
+    </p:spTree>
+    <p:extLst>
+      <p:ext uri="{BB962C8B-B14F-4D97-AF65-F5344CB8AC3E}">
+        <p14:creationId xmlns:p14="http://schemas.microsoft.com/office/powerpoint/2010/main" val="692772076"/>
+      </p:ext>
+    </p:extLst>
+  </p:cSld>
+  <p:clrMapOvr>
+    <a:masterClrMapping/>
+  </p:clrMapOvr>
+</p:notes>
+</file>
+
+<file path=ppt/notesSlides/notesSlide25.xml><?xml version="1.0" encoding="utf-8"?>
+<p:notes xmlns:a="http://schemas.openxmlformats.org/drawingml/2006/main" xmlns:r="http://schemas.openxmlformats.org/officeDocument/2006/relationships" xmlns:p="http://schemas.openxmlformats.org/presentationml/2006/main">
+  <p:cSld>
+    <p:spTree>
+      <p:nvGrpSpPr>
+        <p:cNvPr id="1" name=""/>
+        <p:cNvGrpSpPr/>
+        <p:nvPr/>
+      </p:nvGrpSpPr>
+      <p:grpSpPr>
+        <a:xfrm>
+          <a:off x="0" y="0"/>
+          <a:ext cx="0" cy="0"/>
+          <a:chOff x="0" y="0"/>
+          <a:chExt cx="0" cy="0"/>
+        </a:xfrm>
+      </p:grpSpPr>
+      <p:sp>
+        <p:nvSpPr>
+          <p:cNvPr id="2" name="Slide Image Placeholder 1"/>
+          <p:cNvSpPr>
+            <a:spLocks noGrp="1" noRot="1" noChangeAspect="1"/>
+          </p:cNvSpPr>
+          <p:nvPr>
+            <p:ph type="sldImg"/>
+          </p:nvPr>
+        </p:nvSpPr>
+        <p:spPr/>
+      </p:sp>
+      <p:sp>
+        <p:nvSpPr>
+          <p:cNvPr id="3" name="Notes Placeholder 2"/>
+          <p:cNvSpPr>
+            <a:spLocks noGrp="1"/>
+          </p:cNvSpPr>
+          <p:nvPr>
+            <p:ph type="body" idx="1"/>
+          </p:nvPr>
+        </p:nvSpPr>
+        <p:spPr/>
+        <p:txBody>
+          <a:bodyPr/>
+          <a:lstStyle/>
+          <a:p>
+            <a:endParaRPr lang="en-US"/>
+          </a:p>
+        </p:txBody>
+      </p:sp>
+      <p:sp>
+        <p:nvSpPr>
+          <p:cNvPr id="4" name="Slide Number Placeholder 3"/>
+          <p:cNvSpPr>
+            <a:spLocks noGrp="1"/>
+          </p:cNvSpPr>
+          <p:nvPr>
+            <p:ph type="sldNum" sz="quarter" idx="10"/>
+          </p:nvPr>
+        </p:nvSpPr>
+        <p:spPr/>
+        <p:txBody>
+          <a:bodyPr/>
+          <a:lstStyle/>
+          <a:p>
+            <a:pPr>
+              <a:defRPr/>
+            </a:pPr>
+            <a:fld id="{DC3734AA-3150-D947-AC52-2F5DF48BFCD5}" type="slidenum">
+              <a:rPr lang="en-US" smtClean="0"/>
+              <a:pPr>
+                <a:defRPr/>
+              </a:pPr>
+              <a:t>25</a:t>
+            </a:fld>
+            <a:endParaRPr lang="en-US" dirty="0"/>
+          </a:p>
+        </p:txBody>
+      </p:sp>
+      <p:sp>
+        <p:nvSpPr>
+          <p:cNvPr id="5" name="Header Placeholder 4"/>
+          <p:cNvSpPr>
+            <a:spLocks noGrp="1"/>
+          </p:cNvSpPr>
+          <p:nvPr>
+            <p:ph type="hdr" sz="quarter" idx="11"/>
+          </p:nvPr>
+        </p:nvSpPr>
+        <p:spPr/>
+        <p:txBody>
+          <a:bodyPr/>
+          <a:lstStyle/>
+          <a:p>
+            <a:pPr>
+              <a:defRPr/>
+            </a:pPr>
+            <a:endParaRPr lang="en-US"/>
+          </a:p>
+        </p:txBody>
+      </p:sp>
+      <p:sp>
+        <p:nvSpPr>
+          <p:cNvPr id="6" name="Footer Placeholder 5"/>
+          <p:cNvSpPr>
+            <a:spLocks noGrp="1"/>
+          </p:cNvSpPr>
+          <p:nvPr>
+            <p:ph type="ftr" sz="quarter" idx="12"/>
+          </p:nvPr>
+        </p:nvSpPr>
+        <p:spPr/>
+        <p:txBody>
+          <a:bodyPr/>
+          <a:lstStyle/>
+          <a:p>
+            <a:pPr>
+              <a:defRPr/>
+            </a:pPr>
+            <a:endParaRPr lang="en-US"/>
+          </a:p>
+        </p:txBody>
+      </p:sp>
+    </p:spTree>
+    <p:extLst>
+      <p:ext uri="{BB962C8B-B14F-4D97-AF65-F5344CB8AC3E}">
+        <p14:creationId xmlns:p14="http://schemas.microsoft.com/office/powerpoint/2010/main" val="1911430945"/>
+      </p:ext>
+    </p:extLst>
+  </p:cSld>
+  <p:clrMapOvr>
+    <a:masterClrMapping/>
+  </p:clrMapOvr>
+</p:notes>
+</file>
+
+<file path=ppt/notesSlides/notesSlide26.xml><?xml version="1.0" encoding="utf-8"?>
+<p:notes xmlns:a="http://schemas.openxmlformats.org/drawingml/2006/main" xmlns:r="http://schemas.openxmlformats.org/officeDocument/2006/relationships" xmlns:p="http://schemas.openxmlformats.org/presentationml/2006/main">
+  <p:cSld>
+    <p:spTree>
+      <p:nvGrpSpPr>
+        <p:cNvPr id="1" name=""/>
+        <p:cNvGrpSpPr/>
+        <p:nvPr/>
+      </p:nvGrpSpPr>
+      <p:grpSpPr>
+        <a:xfrm>
+          <a:off x="0" y="0"/>
+          <a:ext cx="0" cy="0"/>
+          <a:chOff x="0" y="0"/>
+          <a:chExt cx="0" cy="0"/>
+        </a:xfrm>
+      </p:grpSpPr>
+      <p:sp>
+        <p:nvSpPr>
+          <p:cNvPr id="2" name="Slide Image Placeholder 1"/>
+          <p:cNvSpPr>
+            <a:spLocks noGrp="1" noRot="1" noChangeAspect="1"/>
+          </p:cNvSpPr>
+          <p:nvPr>
+            <p:ph type="sldImg"/>
+          </p:nvPr>
+        </p:nvSpPr>
+        <p:spPr/>
+      </p:sp>
+      <p:sp>
+        <p:nvSpPr>
+          <p:cNvPr id="3" name="Notes Placeholder 2"/>
+          <p:cNvSpPr>
+            <a:spLocks noGrp="1"/>
+          </p:cNvSpPr>
+          <p:nvPr>
+            <p:ph type="body" idx="1"/>
+          </p:nvPr>
+        </p:nvSpPr>
+        <p:spPr/>
+        <p:txBody>
+          <a:bodyPr/>
+          <a:lstStyle/>
+          <a:p>
+            <a:endParaRPr lang="en-US"/>
+          </a:p>
+        </p:txBody>
+      </p:sp>
+      <p:sp>
+        <p:nvSpPr>
+          <p:cNvPr id="4" name="Slide Number Placeholder 3"/>
+          <p:cNvSpPr>
+            <a:spLocks noGrp="1"/>
+          </p:cNvSpPr>
+          <p:nvPr>
+            <p:ph type="sldNum" sz="quarter" idx="10"/>
+          </p:nvPr>
+        </p:nvSpPr>
+        <p:spPr/>
+        <p:txBody>
+          <a:bodyPr/>
+          <a:lstStyle/>
+          <a:p>
+            <a:pPr>
+              <a:defRPr/>
+            </a:pPr>
+            <a:fld id="{DC3734AA-3150-D947-AC52-2F5DF48BFCD5}" type="slidenum">
+              <a:rPr lang="en-US" smtClean="0"/>
+              <a:pPr>
+                <a:defRPr/>
+              </a:pPr>
+              <a:t>26</a:t>
+            </a:fld>
+            <a:endParaRPr lang="en-US" dirty="0"/>
+          </a:p>
+        </p:txBody>
+      </p:sp>
+      <p:sp>
+        <p:nvSpPr>
+          <p:cNvPr id="5" name="Header Placeholder 4"/>
+          <p:cNvSpPr>
+            <a:spLocks noGrp="1"/>
+          </p:cNvSpPr>
+          <p:nvPr>
+            <p:ph type="hdr" sz="quarter" idx="11"/>
+          </p:nvPr>
+        </p:nvSpPr>
+        <p:spPr/>
+        <p:txBody>
+          <a:bodyPr/>
+          <a:lstStyle/>
+          <a:p>
+            <a:pPr>
+              <a:defRPr/>
+            </a:pPr>
+            <a:endParaRPr lang="en-US"/>
+          </a:p>
+        </p:txBody>
+      </p:sp>
+      <p:sp>
+        <p:nvSpPr>
+          <p:cNvPr id="6" name="Footer Placeholder 5"/>
+          <p:cNvSpPr>
+            <a:spLocks noGrp="1"/>
+          </p:cNvSpPr>
+          <p:nvPr>
+            <p:ph type="ftr" sz="quarter" idx="12"/>
+          </p:nvPr>
+        </p:nvSpPr>
+        <p:spPr/>
+        <p:txBody>
+          <a:bodyPr/>
+          <a:lstStyle/>
+          <a:p>
+            <a:pPr>
+              <a:defRPr/>
+            </a:pPr>
+            <a:endParaRPr lang="en-US"/>
+          </a:p>
+        </p:txBody>
+      </p:sp>
+    </p:spTree>
+    <p:extLst>
+      <p:ext uri="{BB962C8B-B14F-4D97-AF65-F5344CB8AC3E}">
+        <p14:creationId xmlns:p14="http://schemas.microsoft.com/office/powerpoint/2010/main" val="1212017142"/>
+      </p:ext>
+    </p:extLst>
+  </p:cSld>
+  <p:clrMapOvr>
+    <a:masterClrMapping/>
+  </p:clrMapOvr>
+</p:notes>
+</file>
+
+<file path=ppt/notesSlides/notesSlide27.xml><?xml version="1.0" encoding="utf-8"?>
+<p:notes xmlns:a="http://schemas.openxmlformats.org/drawingml/2006/main" xmlns:r="http://schemas.openxmlformats.org/officeDocument/2006/relationships" xmlns:p="http://schemas.openxmlformats.org/presentationml/2006/main">
+  <p:cSld>
+    <p:spTree>
+      <p:nvGrpSpPr>
+        <p:cNvPr id="1" name=""/>
+        <p:cNvGrpSpPr/>
+        <p:nvPr/>
+      </p:nvGrpSpPr>
+      <p:grpSpPr>
+        <a:xfrm>
+          <a:off x="0" y="0"/>
+          <a:ext cx="0" cy="0"/>
+          <a:chOff x="0" y="0"/>
+          <a:chExt cx="0" cy="0"/>
+        </a:xfrm>
+      </p:grpSpPr>
+      <p:sp>
+        <p:nvSpPr>
+          <p:cNvPr id="2" name="Slide Image Placeholder 1"/>
+          <p:cNvSpPr>
+            <a:spLocks noGrp="1" noRot="1" noChangeAspect="1"/>
+          </p:cNvSpPr>
+          <p:nvPr>
+            <p:ph type="sldImg"/>
+          </p:nvPr>
+        </p:nvSpPr>
+        <p:spPr/>
+      </p:sp>
+      <p:sp>
+        <p:nvSpPr>
+          <p:cNvPr id="3" name="Notes Placeholder 2"/>
+          <p:cNvSpPr>
+            <a:spLocks noGrp="1"/>
+          </p:cNvSpPr>
+          <p:nvPr>
+            <p:ph type="body" idx="1"/>
+          </p:nvPr>
+        </p:nvSpPr>
+        <p:spPr/>
+        <p:txBody>
+          <a:bodyPr/>
+          <a:lstStyle/>
+          <a:p>
+            <a:endParaRPr lang="en-US"/>
+          </a:p>
+        </p:txBody>
+      </p:sp>
+      <p:sp>
+        <p:nvSpPr>
+          <p:cNvPr id="4" name="Slide Number Placeholder 3"/>
+          <p:cNvSpPr>
+            <a:spLocks noGrp="1"/>
+          </p:cNvSpPr>
+          <p:nvPr>
+            <p:ph type="sldNum" sz="quarter" idx="10"/>
+          </p:nvPr>
+        </p:nvSpPr>
+        <p:spPr/>
+        <p:txBody>
+          <a:bodyPr/>
+          <a:lstStyle/>
+          <a:p>
+            <a:pPr>
+              <a:defRPr/>
+            </a:pPr>
+            <a:fld id="{DC3734AA-3150-D947-AC52-2F5DF48BFCD5}" type="slidenum">
+              <a:rPr lang="en-US" smtClean="0"/>
+              <a:pPr>
+                <a:defRPr/>
+              </a:pPr>
+              <a:t>27</a:t>
+            </a:fld>
+            <a:endParaRPr lang="en-US" dirty="0"/>
+          </a:p>
+        </p:txBody>
+      </p:sp>
+      <p:sp>
+        <p:nvSpPr>
+          <p:cNvPr id="5" name="Header Placeholder 4"/>
+          <p:cNvSpPr>
+            <a:spLocks noGrp="1"/>
+          </p:cNvSpPr>
+          <p:nvPr>
+            <p:ph type="hdr" sz="quarter" idx="11"/>
+          </p:nvPr>
+        </p:nvSpPr>
+        <p:spPr/>
+        <p:txBody>
+          <a:bodyPr/>
+          <a:lstStyle/>
+          <a:p>
+            <a:pPr>
+              <a:defRPr/>
+            </a:pPr>
+            <a:endParaRPr lang="en-US"/>
+          </a:p>
+        </p:txBody>
+      </p:sp>
+      <p:sp>
+        <p:nvSpPr>
+          <p:cNvPr id="6" name="Footer Placeholder 5"/>
+          <p:cNvSpPr>
+            <a:spLocks noGrp="1"/>
+          </p:cNvSpPr>
+          <p:nvPr>
+            <p:ph type="ftr" sz="quarter" idx="12"/>
+          </p:nvPr>
+        </p:nvSpPr>
+        <p:spPr/>
+        <p:txBody>
+          <a:bodyPr/>
+          <a:lstStyle/>
+          <a:p>
+            <a:pPr>
+              <a:defRPr/>
+            </a:pPr>
+            <a:endParaRPr lang="en-US"/>
+          </a:p>
+        </p:txBody>
+      </p:sp>
+    </p:spTree>
+    <p:extLst>
+      <p:ext uri="{BB962C8B-B14F-4D97-AF65-F5344CB8AC3E}">
+        <p14:creationId xmlns:p14="http://schemas.microsoft.com/office/powerpoint/2010/main" val="1489713799"/>
+      </p:ext>
+    </p:extLst>
+  </p:cSld>
+  <p:clrMapOvr>
+    <a:masterClrMapping/>
+  </p:clrMapOvr>
+</p:notes>
+</file>
+
+<file path=ppt/notesSlides/notesSlide3.xml><?xml version="1.0" encoding="utf-8"?>
+<p:notes xmlns:a="http://schemas.openxmlformats.org/drawingml/2006/main" xmlns:r="http://schemas.openxmlformats.org/officeDocument/2006/relationships" xmlns:p="http://schemas.openxmlformats.org/presentationml/2006/main">
+  <p:cSld>
+    <p:spTree>
+      <p:nvGrpSpPr>
+        <p:cNvPr id="1" name=""/>
+        <p:cNvGrpSpPr/>
+        <p:nvPr/>
+      </p:nvGrpSpPr>
+      <p:grpSpPr>
+        <a:xfrm>
+          <a:off x="0" y="0"/>
+          <a:ext cx="0" cy="0"/>
+          <a:chOff x="0" y="0"/>
+          <a:chExt cx="0" cy="0"/>
+        </a:xfrm>
+      </p:grpSpPr>
+      <p:sp>
+        <p:nvSpPr>
+          <p:cNvPr id="2" name="Slide Image Placeholder 1"/>
+          <p:cNvSpPr>
+            <a:spLocks noGrp="1" noRot="1" noChangeAspect="1"/>
+          </p:cNvSpPr>
+          <p:nvPr>
+            <p:ph type="sldImg"/>
+          </p:nvPr>
+        </p:nvSpPr>
+        <p:spPr/>
+      </p:sp>
+      <p:sp>
+        <p:nvSpPr>
+          <p:cNvPr id="3" name="Notes Placeholder 2"/>
+          <p:cNvSpPr>
+            <a:spLocks noGrp="1"/>
+          </p:cNvSpPr>
+          <p:nvPr>
+            <p:ph type="body" idx="1"/>
+          </p:nvPr>
+        </p:nvSpPr>
+        <p:spPr/>
+        <p:txBody>
+          <a:bodyPr/>
+          <a:lstStyle/>
+          <a:p>
+            <a:endParaRPr lang="en-US"/>
+          </a:p>
+        </p:txBody>
+      </p:sp>
+      <p:sp>
+        <p:nvSpPr>
+          <p:cNvPr id="4" name="Slide Number Placeholder 3"/>
+          <p:cNvSpPr>
+            <a:spLocks noGrp="1"/>
+          </p:cNvSpPr>
+          <p:nvPr>
+            <p:ph type="sldNum" sz="quarter" idx="10"/>
+          </p:nvPr>
+        </p:nvSpPr>
+        <p:spPr/>
+        <p:txBody>
+          <a:bodyPr/>
+          <a:lstStyle/>
+          <a:p>
+            <a:pPr>
+              <a:defRPr/>
+            </a:pPr>
+            <a:fld id="{DC3734AA-3150-D947-AC52-2F5DF48BFCD5}" type="slidenum">
+              <a:rPr lang="en-US" smtClean="0"/>
+              <a:pPr>
+                <a:defRPr/>
+              </a:pPr>
+              <a:t>3</a:t>
+            </a:fld>
+            <a:endParaRPr lang="en-US" dirty="0"/>
+          </a:p>
+        </p:txBody>
+      </p:sp>
+      <p:sp>
+        <p:nvSpPr>
+          <p:cNvPr id="5" name="Header Placeholder 4"/>
+          <p:cNvSpPr>
+            <a:spLocks noGrp="1"/>
+          </p:cNvSpPr>
+          <p:nvPr>
+            <p:ph type="hdr" sz="quarter" idx="11"/>
+          </p:nvPr>
+        </p:nvSpPr>
+        <p:spPr/>
+        <p:txBody>
+          <a:bodyPr/>
+          <a:lstStyle/>
+          <a:p>
+            <a:pPr>
+              <a:defRPr/>
+            </a:pPr>
+            <a:endParaRPr lang="en-US"/>
+          </a:p>
+        </p:txBody>
+      </p:sp>
+      <p:sp>
+        <p:nvSpPr>
+          <p:cNvPr id="6" name="Footer Placeholder 5"/>
+          <p:cNvSpPr>
+            <a:spLocks noGrp="1"/>
+          </p:cNvSpPr>
+          <p:nvPr>
+            <p:ph type="ftr" sz="quarter" idx="12"/>
+          </p:nvPr>
+        </p:nvSpPr>
+        <p:spPr/>
+        <p:txBody>
+          <a:bodyPr/>
+          <a:lstStyle/>
+          <a:p>
+            <a:pPr>
+              <a:defRPr/>
+            </a:pPr>
+            <a:endParaRPr lang="en-US"/>
+          </a:p>
+        </p:txBody>
+      </p:sp>
+    </p:spTree>
+    <p:extLst>
+      <p:ext uri="{BB962C8B-B14F-4D97-AF65-F5344CB8AC3E}">
+        <p14:creationId xmlns:p14="http://schemas.microsoft.com/office/powerpoint/2010/main" val="979496327"/>
+      </p:ext>
+    </p:extLst>
+  </p:cSld>
+  <p:clrMapOvr>
+    <a:masterClrMapping/>
+  </p:clrMapOvr>
+</p:notes>
+</file>
+
+<file path=ppt/notesSlides/notesSlide4.xml><?xml version="1.0" encoding="utf-8"?>
+<p:notes xmlns:a="http://schemas.openxmlformats.org/drawingml/2006/main" xmlns:r="http://schemas.openxmlformats.org/officeDocument/2006/relationships" xmlns:p="http://schemas.openxmlformats.org/presentationml/2006/main">
+  <p:cSld>
+    <p:spTree>
+      <p:nvGrpSpPr>
+        <p:cNvPr id="1" name=""/>
+        <p:cNvGrpSpPr/>
+        <p:nvPr/>
+      </p:nvGrpSpPr>
+      <p:grpSpPr>
+        <a:xfrm>
+          <a:off x="0" y="0"/>
+          <a:ext cx="0" cy="0"/>
+          <a:chOff x="0" y="0"/>
+          <a:chExt cx="0" cy="0"/>
+        </a:xfrm>
+      </p:grpSpPr>
+      <p:sp>
+        <p:nvSpPr>
+          <p:cNvPr id="2" name="Slide Image Placeholder 1"/>
+          <p:cNvSpPr>
+            <a:spLocks noGrp="1" noRot="1" noChangeAspect="1"/>
+          </p:cNvSpPr>
+          <p:nvPr>
+            <p:ph type="sldImg"/>
+          </p:nvPr>
+        </p:nvSpPr>
+        <p:spPr/>
+      </p:sp>
+      <p:sp>
+        <p:nvSpPr>
+          <p:cNvPr id="3" name="Notes Placeholder 2"/>
+          <p:cNvSpPr>
+            <a:spLocks noGrp="1"/>
+          </p:cNvSpPr>
+          <p:nvPr>
+            <p:ph type="body" idx="1"/>
+          </p:nvPr>
+        </p:nvSpPr>
+        <p:spPr/>
+        <p:txBody>
+          <a:bodyPr/>
+          <a:lstStyle/>
+          <a:p>
+            <a:endParaRPr lang="en-US"/>
+          </a:p>
+        </p:txBody>
+      </p:sp>
+      <p:sp>
+        <p:nvSpPr>
+          <p:cNvPr id="4" name="Slide Number Placeholder 3"/>
+          <p:cNvSpPr>
+            <a:spLocks noGrp="1"/>
+          </p:cNvSpPr>
+          <p:nvPr>
+            <p:ph type="sldNum" sz="quarter" idx="10"/>
+          </p:nvPr>
+        </p:nvSpPr>
+        <p:spPr/>
+        <p:txBody>
+          <a:bodyPr/>
+          <a:lstStyle/>
+          <a:p>
+            <a:pPr>
+              <a:defRPr/>
+            </a:pPr>
+            <a:fld id="{DC3734AA-3150-D947-AC52-2F5DF48BFCD5}" type="slidenum">
+              <a:rPr lang="en-US" smtClean="0"/>
+              <a:pPr>
+                <a:defRPr/>
+              </a:pPr>
+              <a:t>4</a:t>
+            </a:fld>
+            <a:endParaRPr lang="en-US" dirty="0"/>
+          </a:p>
+        </p:txBody>
+      </p:sp>
+      <p:sp>
+        <p:nvSpPr>
+          <p:cNvPr id="5" name="Header Placeholder 4"/>
+          <p:cNvSpPr>
+            <a:spLocks noGrp="1"/>
+          </p:cNvSpPr>
+          <p:nvPr>
+            <p:ph type="hdr" sz="quarter" idx="11"/>
+          </p:nvPr>
+        </p:nvSpPr>
+        <p:spPr/>
+        <p:txBody>
+          <a:bodyPr/>
+          <a:lstStyle/>
+          <a:p>
+            <a:pPr>
+              <a:defRPr/>
+            </a:pPr>
+            <a:endParaRPr lang="en-US"/>
+          </a:p>
+        </p:txBody>
+      </p:sp>
+      <p:sp>
+        <p:nvSpPr>
+          <p:cNvPr id="6" name="Footer Placeholder 5"/>
+          <p:cNvSpPr>
+            <a:spLocks noGrp="1"/>
+          </p:cNvSpPr>
+          <p:nvPr>
+            <p:ph type="ftr" sz="quarter" idx="12"/>
+          </p:nvPr>
+        </p:nvSpPr>
+        <p:spPr/>
+        <p:txBody>
+          <a:bodyPr/>
+          <a:lstStyle/>
+          <a:p>
+            <a:pPr>
+              <a:defRPr/>
+            </a:pPr>
+            <a:endParaRPr lang="en-US"/>
+          </a:p>
+        </p:txBody>
+      </p:sp>
+    </p:spTree>
+    <p:extLst>
+      <p:ext uri="{BB962C8B-B14F-4D97-AF65-F5344CB8AC3E}">
+        <p14:creationId xmlns:p14="http://schemas.microsoft.com/office/powerpoint/2010/main" val="1932613634"/>
+      </p:ext>
+    </p:extLst>
+  </p:cSld>
+  <p:clrMapOvr>
+    <a:masterClrMapping/>
+  </p:clrMapOvr>
+</p:notes>
+</file>
+
+<file path=ppt/notesSlides/notesSlide5.xml><?xml version="1.0" encoding="utf-8"?>
+<p:notes xmlns:a="http://schemas.openxmlformats.org/drawingml/2006/main" xmlns:r="http://schemas.openxmlformats.org/officeDocument/2006/relationships" xmlns:p="http://schemas.openxmlformats.org/presentationml/2006/main">
+  <p:cSld>
+    <p:spTree>
+      <p:nvGrpSpPr>
+        <p:cNvPr id="1" name=""/>
+        <p:cNvGrpSpPr/>
+        <p:nvPr/>
+      </p:nvGrpSpPr>
+      <p:grpSpPr>
+        <a:xfrm>
+          <a:off x="0" y="0"/>
+          <a:ext cx="0" cy="0"/>
+          <a:chOff x="0" y="0"/>
+          <a:chExt cx="0" cy="0"/>
+        </a:xfrm>
+      </p:grpSpPr>
+      <p:sp>
+        <p:nvSpPr>
+          <p:cNvPr id="2" name="Slide Image Placeholder 1"/>
+          <p:cNvSpPr>
+            <a:spLocks noGrp="1" noRot="1" noChangeAspect="1"/>
+          </p:cNvSpPr>
+          <p:nvPr>
+            <p:ph type="sldImg"/>
+          </p:nvPr>
+        </p:nvSpPr>
+        <p:spPr/>
+      </p:sp>
+      <p:sp>
+        <p:nvSpPr>
+          <p:cNvPr id="3" name="Notes Placeholder 2"/>
+          <p:cNvSpPr>
+            <a:spLocks noGrp="1"/>
+          </p:cNvSpPr>
+          <p:nvPr>
+            <p:ph type="body" idx="1"/>
+          </p:nvPr>
+        </p:nvSpPr>
+        <p:spPr/>
+        <p:txBody>
+          <a:bodyPr/>
+          <a:lstStyle/>
+          <a:p>
+            <a:endParaRPr lang="en-US"/>
+          </a:p>
+        </p:txBody>
+      </p:sp>
+      <p:sp>
+        <p:nvSpPr>
+          <p:cNvPr id="4" name="Slide Number Placeholder 3"/>
+          <p:cNvSpPr>
+            <a:spLocks noGrp="1"/>
+          </p:cNvSpPr>
+          <p:nvPr>
+            <p:ph type="sldNum" sz="quarter" idx="10"/>
+          </p:nvPr>
+        </p:nvSpPr>
+        <p:spPr/>
+        <p:txBody>
+          <a:bodyPr/>
+          <a:lstStyle/>
+          <a:p>
+            <a:pPr>
+              <a:defRPr/>
+            </a:pPr>
+            <a:fld id="{DC3734AA-3150-D947-AC52-2F5DF48BFCD5}" type="slidenum">
+              <a:rPr lang="en-US" smtClean="0"/>
+              <a:pPr>
+                <a:defRPr/>
+              </a:pPr>
+              <a:t>5</a:t>
+            </a:fld>
+            <a:endParaRPr lang="en-US" dirty="0"/>
+          </a:p>
+        </p:txBody>
+      </p:sp>
+      <p:sp>
+        <p:nvSpPr>
+          <p:cNvPr id="5" name="Header Placeholder 4"/>
+          <p:cNvSpPr>
+            <a:spLocks noGrp="1"/>
+          </p:cNvSpPr>
+          <p:nvPr>
+            <p:ph type="hdr" sz="quarter" idx="11"/>
+          </p:nvPr>
+        </p:nvSpPr>
+        <p:spPr/>
+        <p:txBody>
+          <a:bodyPr/>
+          <a:lstStyle/>
+          <a:p>
+            <a:pPr>
+              <a:defRPr/>
+            </a:pPr>
+            <a:endParaRPr lang="en-US"/>
+          </a:p>
+        </p:txBody>
+      </p:sp>
+      <p:sp>
+        <p:nvSpPr>
+          <p:cNvPr id="6" name="Footer Placeholder 5"/>
+          <p:cNvSpPr>
+            <a:spLocks noGrp="1"/>
+          </p:cNvSpPr>
+          <p:nvPr>
+            <p:ph type="ftr" sz="quarter" idx="12"/>
+          </p:nvPr>
+        </p:nvSpPr>
+        <p:spPr/>
+        <p:txBody>
+          <a:bodyPr/>
+          <a:lstStyle/>
+          <a:p>
+            <a:pPr>
+              <a:defRPr/>
+            </a:pPr>
+            <a:endParaRPr lang="en-US"/>
+          </a:p>
+        </p:txBody>
+      </p:sp>
+    </p:spTree>
+    <p:extLst>
+      <p:ext uri="{BB962C8B-B14F-4D97-AF65-F5344CB8AC3E}">
+        <p14:creationId xmlns:p14="http://schemas.microsoft.com/office/powerpoint/2010/main" val="1614234732"/>
+      </p:ext>
+    </p:extLst>
+  </p:cSld>
+  <p:clrMapOvr>
+    <a:masterClrMapping/>
+  </p:clrMapOvr>
+</p:notes>
+</file>
+
+<file path=ppt/notesSlides/notesSlide6.xml><?xml version="1.0" encoding="utf-8"?>
+<p:notes xmlns:a="http://schemas.openxmlformats.org/drawingml/2006/main" xmlns:r="http://schemas.openxmlformats.org/officeDocument/2006/relationships" xmlns:p="http://schemas.openxmlformats.org/presentationml/2006/main">
+  <p:cSld>
+    <p:spTree>
+      <p:nvGrpSpPr>
+        <p:cNvPr id="1" name=""/>
+        <p:cNvGrpSpPr/>
+        <p:nvPr/>
+      </p:nvGrpSpPr>
+      <p:grpSpPr>
+        <a:xfrm>
+          <a:off x="0" y="0"/>
+          <a:ext cx="0" cy="0"/>
+          <a:chOff x="0" y="0"/>
+          <a:chExt cx="0" cy="0"/>
+        </a:xfrm>
+      </p:grpSpPr>
+      <p:sp>
+        <p:nvSpPr>
+          <p:cNvPr id="2" name="Slide Image Placeholder 1"/>
+          <p:cNvSpPr>
+            <a:spLocks noGrp="1" noRot="1" noChangeAspect="1"/>
+          </p:cNvSpPr>
+          <p:nvPr>
+            <p:ph type="sldImg"/>
+          </p:nvPr>
+        </p:nvSpPr>
+        <p:spPr/>
+      </p:sp>
+      <p:sp>
+        <p:nvSpPr>
+          <p:cNvPr id="3" name="Notes Placeholder 2"/>
+          <p:cNvSpPr>
+            <a:spLocks noGrp="1"/>
+          </p:cNvSpPr>
+          <p:nvPr>
+            <p:ph type="body" idx="1"/>
+          </p:nvPr>
+        </p:nvSpPr>
+        <p:spPr/>
+        <p:txBody>
+          <a:bodyPr/>
+          <a:lstStyle/>
+          <a:p>
+            <a:endParaRPr lang="en-US"/>
+          </a:p>
+        </p:txBody>
+      </p:sp>
+      <p:sp>
+        <p:nvSpPr>
+          <p:cNvPr id="4" name="Slide Number Placeholder 3"/>
+          <p:cNvSpPr>
+            <a:spLocks noGrp="1"/>
+          </p:cNvSpPr>
+          <p:nvPr>
+            <p:ph type="sldNum" sz="quarter" idx="10"/>
+          </p:nvPr>
+        </p:nvSpPr>
+        <p:spPr/>
+        <p:txBody>
+          <a:bodyPr/>
+          <a:lstStyle/>
+          <a:p>
+            <a:pPr>
+              <a:defRPr/>
+            </a:pPr>
+            <a:fld id="{DC3734AA-3150-D947-AC52-2F5DF48BFCD5}" type="slidenum">
+              <a:rPr lang="en-US" smtClean="0"/>
+              <a:pPr>
+                <a:defRPr/>
+              </a:pPr>
+              <a:t>6</a:t>
+            </a:fld>
+            <a:endParaRPr lang="en-US" dirty="0"/>
+          </a:p>
+        </p:txBody>
+      </p:sp>
+      <p:sp>
+        <p:nvSpPr>
+          <p:cNvPr id="5" name="Header Placeholder 4"/>
+          <p:cNvSpPr>
+            <a:spLocks noGrp="1"/>
+          </p:cNvSpPr>
+          <p:nvPr>
+            <p:ph type="hdr" sz="quarter" idx="11"/>
+          </p:nvPr>
+        </p:nvSpPr>
+        <p:spPr/>
+        <p:txBody>
+          <a:bodyPr/>
+          <a:lstStyle/>
+          <a:p>
+            <a:pPr>
+              <a:defRPr/>
+            </a:pPr>
+            <a:endParaRPr lang="en-US"/>
+          </a:p>
+        </p:txBody>
+      </p:sp>
+      <p:sp>
+        <p:nvSpPr>
+          <p:cNvPr id="6" name="Footer Placeholder 5"/>
+          <p:cNvSpPr>
+            <a:spLocks noGrp="1"/>
+          </p:cNvSpPr>
+          <p:nvPr>
+            <p:ph type="ftr" sz="quarter" idx="12"/>
+          </p:nvPr>
+        </p:nvSpPr>
+        <p:spPr/>
+        <p:txBody>
+          <a:bodyPr/>
+          <a:lstStyle/>
+          <a:p>
+            <a:pPr>
+              <a:defRPr/>
+            </a:pPr>
+            <a:endParaRPr lang="en-US"/>
+          </a:p>
+        </p:txBody>
+      </p:sp>
+    </p:spTree>
+    <p:extLst>
+      <p:ext uri="{BB962C8B-B14F-4D97-AF65-F5344CB8AC3E}">
+        <p14:creationId xmlns:p14="http://schemas.microsoft.com/office/powerpoint/2010/main" val="1282228173"/>
+      </p:ext>
+    </p:extLst>
+  </p:cSld>
+  <p:clrMapOvr>
+    <a:masterClrMapping/>
+  </p:clrMapOvr>
+</p:notes>
+</file>
+
+<file path=ppt/notesSlides/notesSlide7.xml><?xml version="1.0" encoding="utf-8"?>
+<p:notes xmlns:a="http://schemas.openxmlformats.org/drawingml/2006/main" xmlns:r="http://schemas.openxmlformats.org/officeDocument/2006/relationships" xmlns:p="http://schemas.openxmlformats.org/presentationml/2006/main">
+  <p:cSld>
+    <p:spTree>
+      <p:nvGrpSpPr>
+        <p:cNvPr id="1" name=""/>
+        <p:cNvGrpSpPr/>
+        <p:nvPr/>
+      </p:nvGrpSpPr>
+      <p:grpSpPr>
+        <a:xfrm>
+          <a:off x="0" y="0"/>
+          <a:ext cx="0" cy="0"/>
+          <a:chOff x="0" y="0"/>
+          <a:chExt cx="0" cy="0"/>
+        </a:xfrm>
+      </p:grpSpPr>
+      <p:sp>
+        <p:nvSpPr>
+          <p:cNvPr id="2" name="Slide Image Placeholder 1"/>
+          <p:cNvSpPr>
+            <a:spLocks noGrp="1" noRot="1" noChangeAspect="1"/>
+          </p:cNvSpPr>
+          <p:nvPr>
+            <p:ph type="sldImg"/>
+          </p:nvPr>
+        </p:nvSpPr>
+        <p:spPr/>
+      </p:sp>
+      <p:sp>
+        <p:nvSpPr>
+          <p:cNvPr id="3" name="Notes Placeholder 2"/>
+          <p:cNvSpPr>
+            <a:spLocks noGrp="1"/>
+          </p:cNvSpPr>
+          <p:nvPr>
+            <p:ph type="body" idx="1"/>
+          </p:nvPr>
+        </p:nvSpPr>
+        <p:spPr/>
+        <p:txBody>
+          <a:bodyPr/>
+          <a:lstStyle/>
+          <a:p>
+            <a:endParaRPr lang="en-US"/>
+          </a:p>
+        </p:txBody>
+      </p:sp>
+      <p:sp>
+        <p:nvSpPr>
+          <p:cNvPr id="4" name="Slide Number Placeholder 3"/>
+          <p:cNvSpPr>
+            <a:spLocks noGrp="1"/>
+          </p:cNvSpPr>
+          <p:nvPr>
+            <p:ph type="sldNum" sz="quarter" idx="10"/>
+          </p:nvPr>
+        </p:nvSpPr>
+        <p:spPr/>
+        <p:txBody>
+          <a:bodyPr/>
+          <a:lstStyle/>
+          <a:p>
+            <a:pPr>
+              <a:defRPr/>
+            </a:pPr>
+            <a:fld id="{DC3734AA-3150-D947-AC52-2F5DF48BFCD5}" type="slidenum">
+              <a:rPr lang="en-US" smtClean="0"/>
+              <a:pPr>
+                <a:defRPr/>
+              </a:pPr>
+              <a:t>7</a:t>
+            </a:fld>
+            <a:endParaRPr lang="en-US" dirty="0"/>
+          </a:p>
+        </p:txBody>
+      </p:sp>
+      <p:sp>
+        <p:nvSpPr>
+          <p:cNvPr id="5" name="Header Placeholder 4"/>
+          <p:cNvSpPr>
+            <a:spLocks noGrp="1"/>
+          </p:cNvSpPr>
+          <p:nvPr>
+            <p:ph type="hdr" sz="quarter" idx="11"/>
+          </p:nvPr>
+        </p:nvSpPr>
+        <p:spPr/>
+        <p:txBody>
+          <a:bodyPr/>
+          <a:lstStyle/>
+          <a:p>
+            <a:pPr>
+              <a:defRPr/>
+            </a:pPr>
+            <a:endParaRPr lang="en-US"/>
+          </a:p>
+        </p:txBody>
+      </p:sp>
+      <p:sp>
+        <p:nvSpPr>
+          <p:cNvPr id="6" name="Footer Placeholder 5"/>
+          <p:cNvSpPr>
+            <a:spLocks noGrp="1"/>
+          </p:cNvSpPr>
+          <p:nvPr>
+            <p:ph type="ftr" sz="quarter" idx="12"/>
+          </p:nvPr>
+        </p:nvSpPr>
+        <p:spPr/>
+        <p:txBody>
+          <a:bodyPr/>
+          <a:lstStyle/>
+          <a:p>
+            <a:pPr>
+              <a:defRPr/>
+            </a:pPr>
+            <a:endParaRPr lang="en-US"/>
+          </a:p>
+        </p:txBody>
+      </p:sp>
+    </p:spTree>
+    <p:extLst>
+      <p:ext uri="{BB962C8B-B14F-4D97-AF65-F5344CB8AC3E}">
+        <p14:creationId xmlns:p14="http://schemas.microsoft.com/office/powerpoint/2010/main" val="410505966"/>
+      </p:ext>
+    </p:extLst>
+  </p:cSld>
+  <p:clrMapOvr>
+    <a:masterClrMapping/>
+  </p:clrMapOvr>
+</p:notes>
+</file>
+
+<file path=ppt/notesSlides/notesSlide8.xml><?xml version="1.0" encoding="utf-8"?>
+<p:notes xmlns:a="http://schemas.openxmlformats.org/drawingml/2006/main" xmlns:r="http://schemas.openxmlformats.org/officeDocument/2006/relationships" xmlns:p="http://schemas.openxmlformats.org/presentationml/2006/main">
+  <p:cSld>
+    <p:spTree>
+      <p:nvGrpSpPr>
+        <p:cNvPr id="1" name=""/>
+        <p:cNvGrpSpPr/>
+        <p:nvPr/>
+      </p:nvGrpSpPr>
+      <p:grpSpPr>
+        <a:xfrm>
+          <a:off x="0" y="0"/>
+          <a:ext cx="0" cy="0"/>
+          <a:chOff x="0" y="0"/>
+          <a:chExt cx="0" cy="0"/>
+        </a:xfrm>
+      </p:grpSpPr>
+      <p:sp>
+        <p:nvSpPr>
+          <p:cNvPr id="2" name="Slide Image Placeholder 1"/>
+          <p:cNvSpPr>
+            <a:spLocks noGrp="1" noRot="1" noChangeAspect="1"/>
+          </p:cNvSpPr>
+          <p:nvPr>
+            <p:ph type="sldImg"/>
+          </p:nvPr>
+        </p:nvSpPr>
+        <p:spPr/>
+      </p:sp>
+      <p:sp>
+        <p:nvSpPr>
+          <p:cNvPr id="3" name="Notes Placeholder 2"/>
+          <p:cNvSpPr>
+            <a:spLocks noGrp="1"/>
+          </p:cNvSpPr>
+          <p:nvPr>
+            <p:ph type="body" idx="1"/>
+          </p:nvPr>
+        </p:nvSpPr>
+        <p:spPr/>
+        <p:txBody>
+          <a:bodyPr/>
+          <a:lstStyle/>
+          <a:p>
+            <a:endParaRPr lang="en-US"/>
+          </a:p>
+        </p:txBody>
+      </p:sp>
+      <p:sp>
+        <p:nvSpPr>
+          <p:cNvPr id="4" name="Slide Number Placeholder 3"/>
+          <p:cNvSpPr>
+            <a:spLocks noGrp="1"/>
+          </p:cNvSpPr>
+          <p:nvPr>
+            <p:ph type="sldNum" sz="quarter" idx="10"/>
+          </p:nvPr>
+        </p:nvSpPr>
+        <p:spPr/>
+        <p:txBody>
+          <a:bodyPr/>
+          <a:lstStyle/>
+          <a:p>
+            <a:pPr>
+              <a:defRPr/>
+            </a:pPr>
+            <a:fld id="{DC3734AA-3150-D947-AC52-2F5DF48BFCD5}" type="slidenum">
+              <a:rPr lang="en-US" smtClean="0"/>
+              <a:pPr>
+                <a:defRPr/>
+              </a:pPr>
+              <a:t>8</a:t>
+            </a:fld>
+            <a:endParaRPr lang="en-US" dirty="0"/>
+          </a:p>
+        </p:txBody>
+      </p:sp>
+      <p:sp>
+        <p:nvSpPr>
+          <p:cNvPr id="5" name="Header Placeholder 4"/>
+          <p:cNvSpPr>
+            <a:spLocks noGrp="1"/>
+          </p:cNvSpPr>
+          <p:nvPr>
+            <p:ph type="hdr" sz="quarter" idx="11"/>
+          </p:nvPr>
+        </p:nvSpPr>
+        <p:spPr/>
+        <p:txBody>
+          <a:bodyPr/>
+          <a:lstStyle/>
+          <a:p>
+            <a:pPr>
+              <a:defRPr/>
+            </a:pPr>
+            <a:endParaRPr lang="en-US"/>
+          </a:p>
+        </p:txBody>
+      </p:sp>
+      <p:sp>
+        <p:nvSpPr>
+          <p:cNvPr id="6" name="Footer Placeholder 5"/>
+          <p:cNvSpPr>
+            <a:spLocks noGrp="1"/>
+          </p:cNvSpPr>
+          <p:nvPr>
+            <p:ph type="ftr" sz="quarter" idx="12"/>
+          </p:nvPr>
+        </p:nvSpPr>
+        <p:spPr/>
+        <p:txBody>
+          <a:bodyPr/>
+          <a:lstStyle/>
+          <a:p>
+            <a:pPr>
+              <a:defRPr/>
+            </a:pPr>
+            <a:endParaRPr lang="en-US"/>
+          </a:p>
+        </p:txBody>
+      </p:sp>
+    </p:spTree>
+    <p:extLst>
+      <p:ext uri="{BB962C8B-B14F-4D97-AF65-F5344CB8AC3E}">
+        <p14:creationId xmlns:p14="http://schemas.microsoft.com/office/powerpoint/2010/main" val="1690528772"/>
+      </p:ext>
+    </p:extLst>
+  </p:cSld>
+  <p:clrMapOvr>
+    <a:masterClrMapping/>
+  </p:clrMapOvr>
+</p:notes>
+</file>
+
+<file path=ppt/notesSlides/notesSlide9.xml><?xml version="1.0" encoding="utf-8"?>
+<p:notes xmlns:a="http://schemas.openxmlformats.org/drawingml/2006/main" xmlns:r="http://schemas.openxmlformats.org/officeDocument/2006/relationships" xmlns:p="http://schemas.openxmlformats.org/presentationml/2006/main">
+  <p:cSld>
+    <p:spTree>
+      <p:nvGrpSpPr>
+        <p:cNvPr id="1" name=""/>
+        <p:cNvGrpSpPr/>
+        <p:nvPr/>
+      </p:nvGrpSpPr>
+      <p:grpSpPr>
+        <a:xfrm>
+          <a:off x="0" y="0"/>
+          <a:ext cx="0" cy="0"/>
+          <a:chOff x="0" y="0"/>
+          <a:chExt cx="0" cy="0"/>
+        </a:xfrm>
+      </p:grpSpPr>
+      <p:sp>
+        <p:nvSpPr>
+          <p:cNvPr id="2" name="Slide Image Placeholder 1"/>
+          <p:cNvSpPr>
+            <a:spLocks noGrp="1" noRot="1" noChangeAspect="1"/>
+          </p:cNvSpPr>
+          <p:nvPr>
+            <p:ph type="sldImg"/>
+          </p:nvPr>
+        </p:nvSpPr>
+        <p:spPr/>
+      </p:sp>
+      <p:sp>
+        <p:nvSpPr>
+          <p:cNvPr id="3" name="Notes Placeholder 2"/>
+          <p:cNvSpPr>
+            <a:spLocks noGrp="1"/>
+          </p:cNvSpPr>
+          <p:nvPr>
+            <p:ph type="body" idx="1"/>
+          </p:nvPr>
+        </p:nvSpPr>
+        <p:spPr/>
+        <p:txBody>
+          <a:bodyPr/>
+          <a:lstStyle/>
+          <a:p>
+            <a:endParaRPr lang="en-US"/>
+          </a:p>
+        </p:txBody>
+      </p:sp>
+      <p:sp>
+        <p:nvSpPr>
+          <p:cNvPr id="4" name="Slide Number Placeholder 3"/>
+          <p:cNvSpPr>
+            <a:spLocks noGrp="1"/>
+          </p:cNvSpPr>
+          <p:nvPr>
+            <p:ph type="sldNum" sz="quarter" idx="10"/>
+          </p:nvPr>
+        </p:nvSpPr>
+        <p:spPr/>
+        <p:txBody>
+          <a:bodyPr/>
+          <a:lstStyle/>
+          <a:p>
+            <a:pPr>
+              <a:defRPr/>
+            </a:pPr>
+            <a:fld id="{DC3734AA-3150-D947-AC52-2F5DF48BFCD5}" type="slidenum">
+              <a:rPr lang="en-US" smtClean="0"/>
+              <a:pPr>
+                <a:defRPr/>
+              </a:pPr>
+              <a:t>9</a:t>
+            </a:fld>
+            <a:endParaRPr lang="en-US" dirty="0"/>
+          </a:p>
+        </p:txBody>
+      </p:sp>
+      <p:sp>
+        <p:nvSpPr>
+          <p:cNvPr id="5" name="Header Placeholder 4"/>
+          <p:cNvSpPr>
+            <a:spLocks noGrp="1"/>
+          </p:cNvSpPr>
+          <p:nvPr>
+            <p:ph type="hdr" sz="quarter" idx="11"/>
+          </p:nvPr>
+        </p:nvSpPr>
+        <p:spPr/>
+        <p:txBody>
+          <a:bodyPr/>
+          <a:lstStyle/>
+          <a:p>
+            <a:pPr>
+              <a:defRPr/>
+            </a:pPr>
+            <a:endParaRPr lang="en-US"/>
+          </a:p>
+        </p:txBody>
+      </p:sp>
+      <p:sp>
+        <p:nvSpPr>
+          <p:cNvPr id="6" name="Footer Placeholder 5"/>
+          <p:cNvSpPr>
+            <a:spLocks noGrp="1"/>
+          </p:cNvSpPr>
+          <p:nvPr>
+            <p:ph type="ftr" sz="quarter" idx="12"/>
+          </p:nvPr>
+        </p:nvSpPr>
+        <p:spPr/>
+        <p:txBody>
+          <a:bodyPr/>
+          <a:lstStyle/>
+          <a:p>
+            <a:pPr>
+              <a:defRPr/>
+            </a:pPr>
+            <a:endParaRPr lang="en-US"/>
+          </a:p>
+        </p:txBody>
+      </p:sp>
+    </p:spTree>
+    <p:extLst>
+      <p:ext uri="{BB962C8B-B14F-4D97-AF65-F5344CB8AC3E}">
+        <p14:creationId xmlns:p14="http://schemas.microsoft.com/office/powerpoint/2010/main" val="990554723"/>
+      </p:ext>
+    </p:extLst>
+  </p:cSld>
+  <p:clrMapOvr>
+    <a:masterClrMapping/>
+  </p:clrMapOvr>
+</p:notes>
+</file>
+
 <file path=ppt/slideLayouts/slideLayout1.xml><?xml version="1.0" encoding="utf-8"?>
 <p:sldLayout xmlns:a="http://schemas.openxmlformats.org/drawingml/2006/main" xmlns:r="http://schemas.openxmlformats.org/officeDocument/2006/relationships" xmlns:p="http://schemas.openxmlformats.org/presentationml/2006/main" preserve="1" userDrawn="1">
   <p:cSld name="Title Slide">
@@ -1003,7 +4640,7 @@
   <p:clrMapOvr>
     <a:masterClrMapping/>
   </p:clrMapOvr>
-  <p:transition xmlns:p14="http://schemas.microsoft.com/office/powerpoint/2010/main" spd="med">
+  <p:transition spd="med">
     <p:fade/>
   </p:transition>
 </p:sldLayout>
@@ -1298,7 +4935,7 @@
   <p:clrMapOvr>
     <a:overrideClrMapping bg1="lt1" tx1="dk1" bg2="lt2" tx2="dk2" accent1="accent1" accent2="accent2" accent3="accent3" accent4="accent4" accent5="accent5" accent6="accent6" hlink="hlink" folHlink="folHlink"/>
   </p:clrMapOvr>
-  <p:transition xmlns:p14="http://schemas.microsoft.com/office/powerpoint/2010/main" spd="med">
+  <p:transition spd="med">
     <p:fade/>
   </p:transition>
 </p:sldLayout>
@@ -1431,14 +5068,14 @@
           </a:ln>
           <a:extLst>
             <a:ext uri="{909E8E84-426E-40dd-AFC4-6F175D3DCCD1}">
-              <a14:hiddenFill xmlns:a14="http://schemas.microsoft.com/office/drawing/2010/main">
+              <a14:hiddenFill xmlns:a14="http://schemas.microsoft.com/office/drawing/2010/main" xmlns="">
                 <a:solidFill>
                   <a:srgbClr val="FFFFFF"/>
                 </a:solidFill>
               </a14:hiddenFill>
             </a:ext>
             <a:ext uri="{91240B29-F687-4f45-9708-019B960494DF}">
-              <a14:hiddenLine xmlns:a14="http://schemas.microsoft.com/office/drawing/2010/main" w="9525">
+              <a14:hiddenLine xmlns:a14="http://schemas.microsoft.com/office/drawing/2010/main" xmlns="" w="9525">
                 <a:solidFill>
                   <a:srgbClr val="000000"/>
                 </a:solidFill>
@@ -1586,14 +5223,14 @@
           </a:ln>
           <a:extLst>
             <a:ext uri="{909E8E84-426E-40dd-AFC4-6F175D3DCCD1}">
-              <a14:hiddenFill xmlns:a14="http://schemas.microsoft.com/office/drawing/2010/main">
+              <a14:hiddenFill xmlns:a14="http://schemas.microsoft.com/office/drawing/2010/main" xmlns="">
                 <a:solidFill>
                   <a:srgbClr val="FFFFFF"/>
                 </a:solidFill>
               </a14:hiddenFill>
             </a:ext>
             <a:ext uri="{91240B29-F687-4f45-9708-019B960494DF}">
-              <a14:hiddenLine xmlns:a14="http://schemas.microsoft.com/office/drawing/2010/main" w="9525">
+              <a14:hiddenLine xmlns:a14="http://schemas.microsoft.com/office/drawing/2010/main" xmlns="" w="9525">
                 <a:solidFill>
                   <a:srgbClr val="000000"/>
                 </a:solidFill>
@@ -1991,7 +5628,7 @@
   <p:clrMapOvr>
     <a:overrideClrMapping bg1="lt1" tx1="dk1" bg2="lt2" tx2="dk2" accent1="accent1" accent2="accent2" accent3="accent3" accent4="accent4" accent5="accent5" accent6="accent6" hlink="hlink" folHlink="folHlink"/>
   </p:clrMapOvr>
-  <p:transition xmlns:p14="http://schemas.microsoft.com/office/powerpoint/2010/main" spd="med">
+  <p:transition spd="med">
     <p:fade/>
   </p:transition>
 </p:sldLayout>
@@ -2084,14 +5721,14 @@
           </a:ln>
           <a:extLst>
             <a:ext uri="{909E8E84-426E-40dd-AFC4-6F175D3DCCD1}">
-              <a14:hiddenFill xmlns:a14="http://schemas.microsoft.com/office/drawing/2010/main">
+              <a14:hiddenFill xmlns:a14="http://schemas.microsoft.com/office/drawing/2010/main" xmlns="">
                 <a:solidFill>
                   <a:srgbClr val="FFFFFF"/>
                 </a:solidFill>
               </a14:hiddenFill>
             </a:ext>
             <a:ext uri="{91240B29-F687-4f45-9708-019B960494DF}">
-              <a14:hiddenLine xmlns:a14="http://schemas.microsoft.com/office/drawing/2010/main" w="9525">
+              <a14:hiddenLine xmlns:a14="http://schemas.microsoft.com/office/drawing/2010/main" xmlns="" w="9525">
                 <a:solidFill>
                   <a:srgbClr val="000000"/>
                 </a:solidFill>
@@ -2113,7 +5750,7 @@
   <p:clrMapOvr>
     <a:masterClrMapping/>
   </p:clrMapOvr>
-  <p:transition xmlns:p14="http://schemas.microsoft.com/office/powerpoint/2010/main" spd="med">
+  <p:transition spd="med">
     <p:fade/>
   </p:transition>
 </p:sldLayout>
@@ -2330,14 +5967,14 @@
           </a:ln>
           <a:extLst>
             <a:ext uri="{909E8E84-426E-40dd-AFC4-6F175D3DCCD1}">
-              <a14:hiddenFill xmlns:a14="http://schemas.microsoft.com/office/drawing/2010/main">
+              <a14:hiddenFill xmlns:a14="http://schemas.microsoft.com/office/drawing/2010/main" xmlns="">
                 <a:solidFill>
                   <a:srgbClr val="FFFFFF"/>
                 </a:solidFill>
               </a14:hiddenFill>
             </a:ext>
             <a:ext uri="{91240B29-F687-4f45-9708-019B960494DF}">
-              <a14:hiddenLine xmlns:a14="http://schemas.microsoft.com/office/drawing/2010/main" w="9525">
+              <a14:hiddenLine xmlns:a14="http://schemas.microsoft.com/office/drawing/2010/main" xmlns="" w="9525">
                 <a:solidFill>
                   <a:srgbClr val="000000"/>
                 </a:solidFill>
@@ -2534,7 +6171,7 @@
   <p:clrMapOvr>
     <a:masterClrMapping/>
   </p:clrMapOvr>
-  <p:transition xmlns:p14="http://schemas.microsoft.com/office/powerpoint/2010/main" spd="med">
+  <p:transition spd="med">
     <p:fade/>
   </p:transition>
 </p:sldLayout>
@@ -2821,7 +6458,7 @@
   <p:clrMapOvr>
     <a:masterClrMapping/>
   </p:clrMapOvr>
-  <p:transition xmlns:p14="http://schemas.microsoft.com/office/powerpoint/2010/main" spd="med">
+  <p:transition spd="med">
     <p:fade/>
   </p:transition>
 </p:sldLayout>
@@ -3108,7 +6745,7 @@
   <p:clrMapOvr>
     <a:masterClrMapping/>
   </p:clrMapOvr>
-  <p:transition xmlns:p14="http://schemas.microsoft.com/office/powerpoint/2010/main" spd="med">
+  <p:transition spd="med">
     <p:fade/>
   </p:transition>
 </p:sldLayout>
@@ -3457,7 +7094,7 @@
   <p:clrMapOvr>
     <a:masterClrMapping/>
   </p:clrMapOvr>
-  <p:transition xmlns:p14="http://schemas.microsoft.com/office/powerpoint/2010/main" spd="med">
+  <p:transition spd="med">
     <p:fade/>
   </p:transition>
 </p:sldLayout>
@@ -3744,7 +7381,7 @@
   <p:clrMapOvr>
     <a:masterClrMapping/>
   </p:clrMapOvr>
-  <p:transition xmlns:p14="http://schemas.microsoft.com/office/powerpoint/2010/main" spd="med">
+  <p:transition spd="med">
     <p:fade/>
   </p:transition>
 </p:sldLayout>
@@ -3961,14 +7598,14 @@
           </a:ln>
           <a:extLst>
             <a:ext uri="{909E8E84-426E-40dd-AFC4-6F175D3DCCD1}">
-              <a14:hiddenFill xmlns:a14="http://schemas.microsoft.com/office/drawing/2010/main">
+              <a14:hiddenFill xmlns:a14="http://schemas.microsoft.com/office/drawing/2010/main" xmlns="">
                 <a:solidFill>
                   <a:srgbClr val="FFFFFF"/>
                 </a:solidFill>
               </a14:hiddenFill>
             </a:ext>
             <a:ext uri="{91240B29-F687-4f45-9708-019B960494DF}">
-              <a14:hiddenLine xmlns:a14="http://schemas.microsoft.com/office/drawing/2010/main" w="9525">
+              <a14:hiddenLine xmlns:a14="http://schemas.microsoft.com/office/drawing/2010/main" xmlns="" w="9525">
                 <a:solidFill>
                   <a:srgbClr val="000000"/>
                 </a:solidFill>
@@ -4165,7 +7802,7 @@
   <p:clrMapOvr>
     <a:masterClrMapping/>
   </p:clrMapOvr>
-  <p:transition xmlns:p14="http://schemas.microsoft.com/office/powerpoint/2010/main" spd="med">
+  <p:transition spd="med">
     <p:fade/>
   </p:transition>
 </p:sldLayout>
@@ -4453,7 +8090,7 @@
   <p:clrMapOvr>
     <a:masterClrMapping/>
   </p:clrMapOvr>
-  <p:transition xmlns:p14="http://schemas.microsoft.com/office/powerpoint/2010/main" spd="med">
+  <p:transition spd="med">
     <p:fade/>
   </p:transition>
 </p:sldLayout>
@@ -4630,7 +8267,7 @@
   <p:clrMapOvr>
     <a:masterClrMapping/>
   </p:clrMapOvr>
-  <p:transition xmlns:p14="http://schemas.microsoft.com/office/powerpoint/2010/main" spd="med">
+  <p:transition spd="med">
     <p:fade/>
   </p:transition>
 </p:sldLayout>
@@ -4942,7 +8579,7 @@
   <p:clrMapOvr>
     <a:masterClrMapping/>
   </p:clrMapOvr>
-  <p:transition xmlns:p14="http://schemas.microsoft.com/office/powerpoint/2010/main" spd="med">
+  <p:transition spd="med">
     <p:fade/>
   </p:transition>
 </p:sldLayout>
@@ -5246,7 +8883,7 @@
   <p:clrMapOvr>
     <a:masterClrMapping/>
   </p:clrMapOvr>
-  <p:transition xmlns:p14="http://schemas.microsoft.com/office/powerpoint/2010/main" spd="med">
+  <p:transition spd="med">
     <p:fade/>
   </p:transition>
 </p:sldLayout>
@@ -5322,14 +8959,14 @@
           </a:ln>
           <a:extLst>
             <a:ext uri="{909E8E84-426E-40dd-AFC4-6F175D3DCCD1}">
-              <a14:hiddenFill xmlns:a14="http://schemas.microsoft.com/office/drawing/2010/main">
+              <a14:hiddenFill xmlns:a14="http://schemas.microsoft.com/office/drawing/2010/main" xmlns="">
                 <a:solidFill>
                   <a:srgbClr val="FFFFFF"/>
                 </a:solidFill>
               </a14:hiddenFill>
             </a:ext>
             <a:ext uri="{91240B29-F687-4f45-9708-019B960494DF}">
-              <a14:hiddenLine xmlns:a14="http://schemas.microsoft.com/office/drawing/2010/main" w="9525">
+              <a14:hiddenLine xmlns:a14="http://schemas.microsoft.com/office/drawing/2010/main" xmlns="" w="9525">
                 <a:solidFill>
                   <a:srgbClr val="000000"/>
                 </a:solidFill>
@@ -5609,7 +9246,7 @@
   <p:clrMapOvr>
     <a:overrideClrMapping bg1="lt1" tx1="dk1" bg2="lt2" tx2="dk2" accent1="accent1" accent2="accent2" accent3="accent3" accent4="accent4" accent5="accent5" accent6="accent6" hlink="hlink" folHlink="folHlink"/>
   </p:clrMapOvr>
-  <p:transition xmlns:p14="http://schemas.microsoft.com/office/powerpoint/2010/main" spd="med">
+  <p:transition spd="med">
     <p:fade/>
   </p:transition>
 </p:sldLayout>
@@ -5685,14 +9322,14 @@
           </a:ln>
           <a:extLst>
             <a:ext uri="{909E8E84-426E-40dd-AFC4-6F175D3DCCD1}">
-              <a14:hiddenFill xmlns:a14="http://schemas.microsoft.com/office/drawing/2010/main">
+              <a14:hiddenFill xmlns:a14="http://schemas.microsoft.com/office/drawing/2010/main" xmlns="">
                 <a:solidFill>
                   <a:srgbClr val="FFFFFF"/>
                 </a:solidFill>
               </a14:hiddenFill>
             </a:ext>
             <a:ext uri="{91240B29-F687-4f45-9708-019B960494DF}">
-              <a14:hiddenLine xmlns:a14="http://schemas.microsoft.com/office/drawing/2010/main" w="9525">
+              <a14:hiddenLine xmlns:a14="http://schemas.microsoft.com/office/drawing/2010/main" xmlns="" w="9525">
                 <a:solidFill>
                   <a:srgbClr val="000000"/>
                 </a:solidFill>
@@ -5977,7 +9614,7 @@
   <p:clrMapOvr>
     <a:overrideClrMapping bg1="lt1" tx1="dk1" bg2="lt2" tx2="dk2" accent1="accent1" accent2="accent2" accent3="accent3" accent4="accent4" accent5="accent5" accent6="accent6" hlink="hlink" folHlink="folHlink"/>
   </p:clrMapOvr>
-  <p:transition xmlns:p14="http://schemas.microsoft.com/office/powerpoint/2010/main" spd="med">
+  <p:transition spd="med">
     <p:fade/>
   </p:transition>
 </p:sldLayout>
@@ -6053,14 +9690,14 @@
           </a:ln>
           <a:extLst>
             <a:ext uri="{909E8E84-426E-40dd-AFC4-6F175D3DCCD1}">
-              <a14:hiddenFill xmlns:a14="http://schemas.microsoft.com/office/drawing/2010/main">
+              <a14:hiddenFill xmlns:a14="http://schemas.microsoft.com/office/drawing/2010/main" xmlns="">
                 <a:solidFill>
                   <a:srgbClr val="FFFFFF"/>
                 </a:solidFill>
               </a14:hiddenFill>
             </a:ext>
             <a:ext uri="{91240B29-F687-4f45-9708-019B960494DF}">
-              <a14:hiddenLine xmlns:a14="http://schemas.microsoft.com/office/drawing/2010/main" w="9525">
+              <a14:hiddenLine xmlns:a14="http://schemas.microsoft.com/office/drawing/2010/main" xmlns="" w="9525">
                 <a:solidFill>
                   <a:srgbClr val="000000"/>
                 </a:solidFill>
@@ -6336,7 +9973,7 @@
   <p:clrMapOvr>
     <a:overrideClrMapping bg1="lt1" tx1="dk1" bg2="lt2" tx2="dk2" accent1="accent1" accent2="accent2" accent3="accent3" accent4="accent4" accent5="accent5" accent6="accent6" hlink="hlink" folHlink="folHlink"/>
   </p:clrMapOvr>
-  <p:transition xmlns:p14="http://schemas.microsoft.com/office/powerpoint/2010/main" spd="med">
+  <p:transition spd="med">
     <p:fade/>
   </p:transition>
 </p:sldLayout>
@@ -6542,7 +10179,7 @@
   <p:clrMapOvr>
     <a:overrideClrMapping bg1="lt1" tx1="dk1" bg2="lt2" tx2="dk2" accent1="accent1" accent2="accent2" accent3="accent3" accent4="accent4" accent5="accent5" accent6="accent6" hlink="hlink" folHlink="folHlink"/>
   </p:clrMapOvr>
-  <p:transition xmlns:p14="http://schemas.microsoft.com/office/powerpoint/2010/main" spd="med">
+  <p:transition spd="med">
     <p:fade/>
   </p:transition>
 </p:sldLayout>
@@ -6618,14 +10255,14 @@
           </a:ln>
           <a:extLst>
             <a:ext uri="{909E8E84-426E-40dd-AFC4-6F175D3DCCD1}">
-              <a14:hiddenFill xmlns:a14="http://schemas.microsoft.com/office/drawing/2010/main">
+              <a14:hiddenFill xmlns:a14="http://schemas.microsoft.com/office/drawing/2010/main" xmlns="">
                 <a:solidFill>
                   <a:srgbClr val="FFFFFF"/>
                 </a:solidFill>
               </a14:hiddenFill>
             </a:ext>
             <a:ext uri="{91240B29-F687-4f45-9708-019B960494DF}">
-              <a14:hiddenLine xmlns:a14="http://schemas.microsoft.com/office/drawing/2010/main" w="9525">
+              <a14:hiddenLine xmlns:a14="http://schemas.microsoft.com/office/drawing/2010/main" xmlns="" w="9525">
                 <a:solidFill>
                   <a:srgbClr val="000000"/>
                 </a:solidFill>
@@ -6908,7 +10545,7 @@
   <p:clrMapOvr>
     <a:overrideClrMapping bg1="lt1" tx1="dk1" bg2="lt2" tx2="dk2" accent1="accent1" accent2="accent2" accent3="accent3" accent4="accent4" accent5="accent5" accent6="accent6" hlink="hlink" folHlink="folHlink"/>
   </p:clrMapOvr>
-  <p:transition xmlns:p14="http://schemas.microsoft.com/office/powerpoint/2010/main" spd="med">
+  <p:transition spd="med">
     <p:fade/>
   </p:transition>
 </p:sldLayout>
@@ -7116,7 +10753,7 @@
   <p:clrMapOvr>
     <a:overrideClrMapping bg1="lt1" tx1="dk1" bg2="lt2" tx2="dk2" accent1="accent1" accent2="accent2" accent3="accent3" accent4="accent4" accent5="accent5" accent6="accent6" hlink="hlink" folHlink="folHlink"/>
   </p:clrMapOvr>
-  <p:transition xmlns:p14="http://schemas.microsoft.com/office/powerpoint/2010/main" spd="med">
+  <p:transition spd="med">
     <p:fade/>
   </p:transition>
 </p:sldLayout>
@@ -7192,14 +10829,14 @@
           </a:ln>
           <a:extLst>
             <a:ext uri="{909E8E84-426E-40dd-AFC4-6F175D3DCCD1}">
-              <a14:hiddenFill xmlns:a14="http://schemas.microsoft.com/office/drawing/2010/main">
+              <a14:hiddenFill xmlns:a14="http://schemas.microsoft.com/office/drawing/2010/main" xmlns="">
                 <a:solidFill>
                   <a:srgbClr val="FFFFFF"/>
                 </a:solidFill>
               </a14:hiddenFill>
             </a:ext>
             <a:ext uri="{91240B29-F687-4f45-9708-019B960494DF}">
-              <a14:hiddenLine xmlns:a14="http://schemas.microsoft.com/office/drawing/2010/main" w="9525">
+              <a14:hiddenLine xmlns:a14="http://schemas.microsoft.com/office/drawing/2010/main" xmlns="" w="9525">
                 <a:solidFill>
                   <a:srgbClr val="000000"/>
                 </a:solidFill>
@@ -7467,7 +11104,7 @@
   <p:clrMapOvr>
     <a:overrideClrMapping bg1="lt1" tx1="dk1" bg2="lt2" tx2="dk2" accent1="accent1" accent2="accent2" accent3="accent3" accent4="accent4" accent5="accent5" accent6="accent6" hlink="hlink" folHlink="folHlink"/>
   </p:clrMapOvr>
-  <p:transition xmlns:p14="http://schemas.microsoft.com/office/powerpoint/2010/main" spd="med">
+  <p:transition spd="med">
     <p:fade/>
   </p:transition>
 </p:sldLayout>
@@ -7695,7 +11332,7 @@
   <p:clrMapOvr>
     <a:overrideClrMapping bg1="lt1" tx1="dk1" bg2="lt2" tx2="dk2" accent1="accent1" accent2="accent2" accent3="accent3" accent4="accent4" accent5="accent5" accent6="accent6" hlink="hlink" folHlink="folHlink"/>
   </p:clrMapOvr>
-  <p:transition xmlns:p14="http://schemas.microsoft.com/office/powerpoint/2010/main" spd="med">
+  <p:transition spd="med">
     <p:fade/>
   </p:transition>
 </p:sldLayout>
@@ -7983,7 +11620,7 @@
   <p:clrMapOvr>
     <a:overrideClrMapping bg1="lt1" tx1="dk1" bg2="lt2" tx2="dk2" accent1="accent1" accent2="accent2" accent3="accent3" accent4="accent4" accent5="accent5" accent6="accent6" hlink="hlink" folHlink="folHlink"/>
   </p:clrMapOvr>
-  <p:transition xmlns:p14="http://schemas.microsoft.com/office/powerpoint/2010/main" spd="med">
+  <p:transition spd="med">
     <p:fade/>
   </p:transition>
 </p:sldLayout>
@@ -8139,14 +11776,14 @@
           </a:ln>
           <a:extLst>
             <a:ext uri="{909E8E84-426E-40dd-AFC4-6F175D3DCCD1}">
-              <a14:hiddenFill xmlns:a14="http://schemas.microsoft.com/office/drawing/2010/main">
+              <a14:hiddenFill xmlns:a14="http://schemas.microsoft.com/office/drawing/2010/main" xmlns="">
                 <a:solidFill>
                   <a:srgbClr val="FFFFFF"/>
                 </a:solidFill>
               </a14:hiddenFill>
             </a:ext>
             <a:ext uri="{91240B29-F687-4f45-9708-019B960494DF}">
-              <a14:hiddenLine xmlns:a14="http://schemas.microsoft.com/office/drawing/2010/main" w="9525">
+              <a14:hiddenLine xmlns:a14="http://schemas.microsoft.com/office/drawing/2010/main" xmlns="" w="9525">
                 <a:solidFill>
                   <a:srgbClr val="000000"/>
                 </a:solidFill>
@@ -8353,13 +11990,13 @@
     <p:sldLayoutId id="2147483843" r:id="rId12"/>
     <p:sldLayoutId id="2147483869" r:id="rId13"/>
   </p:sldLayoutIdLst>
-  <p:transition xmlns:p14="http://schemas.microsoft.com/office/powerpoint/2010/main" spd="med">
+  <p:transition spd="med">
     <p:fade/>
   </p:transition>
   <p:timing>
     <p:tnLst>
       <p:par>
-        <p:cTn xmlns:p14="http://schemas.microsoft.com/office/powerpoint/2010/main" id="1" dur="indefinite" restart="never" nodeType="tmRoot"/>
+        <p:cTn id="1" dur="indefinite" restart="never" nodeType="tmRoot"/>
       </p:par>
     </p:tnLst>
   </p:timing>
@@ -8887,14 +12524,14 @@
           </a:ln>
           <a:extLst>
             <a:ext uri="{909E8E84-426E-40dd-AFC4-6F175D3DCCD1}">
-              <a14:hiddenFill xmlns:a14="http://schemas.microsoft.com/office/drawing/2010/main">
+              <a14:hiddenFill xmlns:a14="http://schemas.microsoft.com/office/drawing/2010/main" xmlns="">
                 <a:solidFill>
                   <a:srgbClr val="FFFFFF"/>
                 </a:solidFill>
               </a14:hiddenFill>
             </a:ext>
             <a:ext uri="{91240B29-F687-4f45-9708-019B960494DF}">
-              <a14:hiddenLine xmlns:a14="http://schemas.microsoft.com/office/drawing/2010/main" w="9525">
+              <a14:hiddenLine xmlns:a14="http://schemas.microsoft.com/office/drawing/2010/main" xmlns="" w="9525">
                 <a:solidFill>
                   <a:srgbClr val="000000"/>
                 </a:solidFill>
@@ -9173,13 +12810,13 @@
     <p:sldLayoutId id="2147483867" r:id="rId9"/>
     <p:sldLayoutId id="2147483868" r:id="rId10"/>
   </p:sldLayoutIdLst>
-  <p:transition xmlns:p14="http://schemas.microsoft.com/office/powerpoint/2010/main" spd="med">
+  <p:transition spd="med">
     <p:fade/>
   </p:transition>
   <p:timing>
     <p:tnLst>
       <p:par>
-        <p:cTn xmlns:p14="http://schemas.microsoft.com/office/powerpoint/2010/main" id="1" dur="indefinite" restart="never" nodeType="tmRoot"/>
+        <p:cTn id="1" dur="indefinite" restart="never" nodeType="tmRoot"/>
       </p:par>
     </p:tnLst>
   </p:timing>
@@ -9673,9 +13310,16 @@
   <p:clrMapOvr>
     <a:masterClrMapping/>
   </p:clrMapOvr>
-  <p:transition xmlns:p14="http://schemas.microsoft.com/office/powerpoint/2010/main" spd="med">
+  <p:transition spd="med">
     <p:fade/>
   </p:transition>
+  <p:timing>
+    <p:tnLst>
+      <p:par>
+        <p:cTn id="1" dur="indefinite" restart="never" nodeType="tmRoot"/>
+      </p:par>
+    </p:tnLst>
+  </p:timing>
 </p:sld>
 </file>
 
@@ -9899,9 +13543,16 @@
   <p:clrMapOvr>
     <a:masterClrMapping/>
   </p:clrMapOvr>
-  <p:transition xmlns:p14="http://schemas.microsoft.com/office/powerpoint/2010/main" spd="med">
+  <p:transition spd="med">
     <p:fade/>
   </p:transition>
+  <p:timing>
+    <p:tnLst>
+      <p:par>
+        <p:cTn id="1" dur="indefinite" restart="never" nodeType="tmRoot"/>
+      </p:par>
+    </p:tnLst>
+  </p:timing>
 </p:sld>
 </file>
 
@@ -10114,9 +13765,16 @@
   <p:clrMapOvr>
     <a:masterClrMapping/>
   </p:clrMapOvr>
-  <p:transition xmlns:p14="http://schemas.microsoft.com/office/powerpoint/2010/main" spd="med">
+  <p:transition spd="med">
     <p:fade/>
   </p:transition>
+  <p:timing>
+    <p:tnLst>
+      <p:par>
+        <p:cTn id="1" dur="indefinite" restart="never" nodeType="tmRoot"/>
+      </p:par>
+    </p:tnLst>
+  </p:timing>
 </p:sld>
 </file>
 
@@ -10306,9 +13964,16 @@
   <p:clrMapOvr>
     <a:masterClrMapping/>
   </p:clrMapOvr>
-  <p:transition xmlns:p14="http://schemas.microsoft.com/office/powerpoint/2010/main" spd="med">
+  <p:transition spd="med">
     <p:fade/>
   </p:transition>
+  <p:timing>
+    <p:tnLst>
+      <p:par>
+        <p:cTn id="1" dur="indefinite" restart="never" nodeType="tmRoot"/>
+      </p:par>
+    </p:tnLst>
+  </p:timing>
 </p:sld>
 </file>
 
@@ -10445,9 +14110,16 @@
   <p:clrMapOvr>
     <a:masterClrMapping/>
   </p:clrMapOvr>
-  <p:transition xmlns:p14="http://schemas.microsoft.com/office/powerpoint/2010/main" spd="med">
+  <p:transition spd="med">
     <p:fade/>
   </p:transition>
+  <p:timing>
+    <p:tnLst>
+      <p:par>
+        <p:cTn id="1" dur="indefinite" restart="never" nodeType="tmRoot"/>
+      </p:par>
+    </p:tnLst>
+  </p:timing>
 </p:sld>
 </file>
 
@@ -10489,7 +14161,6 @@
               <a:rPr lang="en-US" dirty="0"/>
               <a:t>Faster Feedback While Developing Cookbooks</a:t>
             </a:r>
-            <a:endParaRPr lang="en-US" dirty="0"/>
           </a:p>
         </p:txBody>
       </p:sp>
@@ -10595,9 +14266,16 @@
   <p:clrMapOvr>
     <a:masterClrMapping/>
   </p:clrMapOvr>
-  <p:transition xmlns:p14="http://schemas.microsoft.com/office/powerpoint/2010/main" spd="med">
+  <p:transition spd="med">
     <p:fade/>
   </p:transition>
+  <p:timing>
+    <p:tnLst>
+      <p:par>
+        <p:cTn id="1" dur="indefinite" restart="never" nodeType="tmRoot"/>
+      </p:par>
+    </p:tnLst>
+  </p:timing>
 </p:sld>
 </file>
 
@@ -10854,9 +14532,16 @@
   <p:clrMapOvr>
     <a:masterClrMapping/>
   </p:clrMapOvr>
-  <p:transition xmlns:p14="http://schemas.microsoft.com/office/powerpoint/2010/main" spd="med">
+  <p:transition spd="med">
     <p:fade/>
   </p:transition>
+  <p:timing>
+    <p:tnLst>
+      <p:par>
+        <p:cTn id="1" dur="indefinite" restart="never" nodeType="tmRoot"/>
+      </p:par>
+    </p:tnLst>
+  </p:timing>
 </p:sld>
 </file>
 
@@ -11094,9 +14779,16 @@
   <p:clrMapOvr>
     <a:masterClrMapping/>
   </p:clrMapOvr>
-  <p:transition xmlns:p14="http://schemas.microsoft.com/office/powerpoint/2010/main" spd="med">
+  <p:transition spd="med">
     <p:fade/>
   </p:transition>
+  <p:timing>
+    <p:tnLst>
+      <p:par>
+        <p:cTn id="1" dur="indefinite" restart="never" nodeType="tmRoot"/>
+      </p:par>
+    </p:tnLst>
+  </p:timing>
 </p:sld>
 </file>
 
@@ -11138,7 +14830,6 @@
               <a:rPr lang="en-US" dirty="0"/>
               <a:t>Faster Feedback While Developing Cookbooks</a:t>
             </a:r>
-            <a:endParaRPr lang="en-US" dirty="0"/>
           </a:p>
         </p:txBody>
       </p:sp>
@@ -11244,9 +14935,16 @@
   <p:clrMapOvr>
     <a:masterClrMapping/>
   </p:clrMapOvr>
-  <p:transition xmlns:p14="http://schemas.microsoft.com/office/powerpoint/2010/main" spd="med">
+  <p:transition spd="med">
     <p:fade/>
   </p:transition>
+  <p:timing>
+    <p:tnLst>
+      <p:par>
+        <p:cTn id="1" dur="indefinite" restart="never" nodeType="tmRoot"/>
+      </p:par>
+    </p:tnLst>
+  </p:timing>
 </p:sld>
 </file>
 
@@ -11461,9 +15159,16 @@
   <p:clrMapOvr>
     <a:masterClrMapping/>
   </p:clrMapOvr>
-  <p:transition xmlns:p14="http://schemas.microsoft.com/office/powerpoint/2010/main" spd="med">
+  <p:transition spd="med">
     <p:fade/>
   </p:transition>
+  <p:timing>
+    <p:tnLst>
+      <p:par>
+        <p:cTn id="1" dur="indefinite" restart="never" nodeType="tmRoot"/>
+      </p:par>
+    </p:tnLst>
+  </p:timing>
 </p:sld>
 </file>
 
@@ -11630,11 +15335,7 @@
           <a:p>
             <a:r>
               <a:rPr lang="en-US" dirty="0" smtClean="0"/>
-              <a:t>Execut</a:t>
-            </a:r>
-            <a:r>
-              <a:rPr lang="en-US" dirty="0" smtClean="0"/>
-              <a:t>e the Tests to See it Pass</a:t>
+              <a:t>Execute the Tests to See it Pass</a:t>
             </a:r>
             <a:endParaRPr lang="en-US" dirty="0"/>
           </a:p>
@@ -11650,9 +15351,16 @@
   <p:clrMapOvr>
     <a:masterClrMapping/>
   </p:clrMapOvr>
-  <p:transition xmlns:p14="http://schemas.microsoft.com/office/powerpoint/2010/main" spd="med">
+  <p:transition spd="med">
     <p:fade/>
   </p:transition>
+  <p:timing>
+    <p:tnLst>
+      <p:par>
+        <p:cTn id="1" dur="indefinite" restart="never" nodeType="tmRoot"/>
+      </p:par>
+    </p:tnLst>
+  </p:timing>
 </p:sld>
 </file>
 
@@ -11772,9 +15480,16 @@
   <p:clrMapOvr>
     <a:masterClrMapping/>
   </p:clrMapOvr>
-  <p:transition xmlns:p14="http://schemas.microsoft.com/office/powerpoint/2010/main" spd="med">
+  <p:transition spd="med">
     <p:fade/>
   </p:transition>
+  <p:timing>
+    <p:tnLst>
+      <p:par>
+        <p:cTn id="1" dur="indefinite" restart="never" nodeType="tmRoot"/>
+      </p:par>
+    </p:tnLst>
+  </p:timing>
 </p:sld>
 </file>
 
@@ -11816,7 +15531,6 @@
               <a:rPr lang="en-US" dirty="0"/>
               <a:t>Faster Feedback While Developing Cookbooks</a:t>
             </a:r>
-            <a:endParaRPr lang="en-US" dirty="0"/>
           </a:p>
         </p:txBody>
       </p:sp>
@@ -11922,9 +15636,16 @@
   <p:clrMapOvr>
     <a:masterClrMapping/>
   </p:clrMapOvr>
-  <p:transition xmlns:p14="http://schemas.microsoft.com/office/powerpoint/2010/main" spd="med">
+  <p:transition spd="med">
     <p:fade/>
   </p:transition>
+  <p:timing>
+    <p:tnLst>
+      <p:par>
+        <p:cTn id="1" dur="indefinite" restart="never" nodeType="tmRoot"/>
+      </p:par>
+    </p:tnLst>
+  </p:timing>
 </p:sld>
 </file>
 
@@ -12081,13 +15802,13 @@
   <p:clrMapOvr>
     <a:masterClrMapping/>
   </p:clrMapOvr>
-  <p:transition xmlns:p14="http://schemas.microsoft.com/office/powerpoint/2010/main" spd="med">
+  <p:transition spd="med">
     <p:fade/>
   </p:transition>
   <p:timing>
     <p:tnLst>
       <p:par>
-        <p:cTn xmlns:p14="http://schemas.microsoft.com/office/powerpoint/2010/main" id="1" dur="indefinite" restart="never" nodeType="tmRoot"/>
+        <p:cTn id="1" dur="indefinite" restart="never" nodeType="tmRoot"/>
       </p:par>
     </p:tnLst>
   </p:timing>
@@ -12359,13 +16080,13 @@
   <p:clrMapOvr>
     <a:masterClrMapping/>
   </p:clrMapOvr>
-  <p:transition xmlns:p14="http://schemas.microsoft.com/office/powerpoint/2010/main" spd="med">
+  <p:transition spd="med">
     <p:fade/>
   </p:transition>
   <p:timing>
     <p:tnLst>
       <p:par>
-        <p:cTn xmlns:p14="http://schemas.microsoft.com/office/powerpoint/2010/main" id="1" dur="indefinite" restart="never" nodeType="tmRoot"/>
+        <p:cTn id="1" dur="indefinite" restart="never" nodeType="tmRoot"/>
       </p:par>
     </p:tnLst>
   </p:timing>
@@ -12600,13 +16321,13 @@
   <p:clrMapOvr>
     <a:masterClrMapping/>
   </p:clrMapOvr>
-  <p:transition xmlns:p14="http://schemas.microsoft.com/office/powerpoint/2010/main" spd="med">
+  <p:transition spd="med">
     <p:fade/>
   </p:transition>
   <p:timing>
     <p:tnLst>
       <p:par>
-        <p:cTn xmlns:p14="http://schemas.microsoft.com/office/powerpoint/2010/main" id="1" dur="indefinite" restart="never" nodeType="tmRoot"/>
+        <p:cTn id="1" dur="indefinite" restart="never" nodeType="tmRoot"/>
       </p:par>
     </p:tnLst>
   </p:timing>
@@ -12818,9 +16539,16 @@
   <p:clrMapOvr>
     <a:masterClrMapping/>
   </p:clrMapOvr>
-  <p:transition xmlns:p14="http://schemas.microsoft.com/office/powerpoint/2010/main" spd="med">
+  <p:transition spd="med">
     <p:fade/>
   </p:transition>
+  <p:timing>
+    <p:tnLst>
+      <p:par>
+        <p:cTn id="1" dur="indefinite" restart="never" nodeType="tmRoot"/>
+      </p:par>
+    </p:tnLst>
+  </p:timing>
 </p:sld>
 </file>
 
@@ -12982,13 +16710,13 @@
   <p:clrMapOvr>
     <a:masterClrMapping/>
   </p:clrMapOvr>
-  <p:transition xmlns:p14="http://schemas.microsoft.com/office/powerpoint/2010/main" spd="med">
+  <p:transition spd="med">
     <p:fade/>
   </p:transition>
   <p:timing>
     <p:tnLst>
       <p:par>
-        <p:cTn xmlns:p14="http://schemas.microsoft.com/office/powerpoint/2010/main" id="1" dur="indefinite" restart="never" nodeType="tmRoot"/>
+        <p:cTn id="1" dur="indefinite" restart="never" nodeType="tmRoot"/>
       </p:par>
     </p:tnLst>
   </p:timing>
@@ -13118,9 +16846,16 @@
   <p:clrMapOvr>
     <a:masterClrMapping/>
   </p:clrMapOvr>
-  <p:transition xmlns:p14="http://schemas.microsoft.com/office/powerpoint/2010/main" spd="med">
+  <p:transition spd="med">
     <p:fade/>
   </p:transition>
+  <p:timing>
+    <p:tnLst>
+      <p:par>
+        <p:cTn id="1" dur="indefinite" restart="never" nodeType="tmRoot"/>
+      </p:par>
+    </p:tnLst>
+  </p:timing>
 </p:sld>
 </file>
 
@@ -13199,9 +16934,16 @@
   <p:clrMapOvr>
     <a:masterClrMapping/>
   </p:clrMapOvr>
-  <p:transition xmlns:p14="http://schemas.microsoft.com/office/powerpoint/2010/main" spd="med">
+  <p:transition spd="med">
     <p:fade/>
   </p:transition>
+  <p:timing>
+    <p:tnLst>
+      <p:par>
+        <p:cTn id="1" dur="indefinite" restart="never" nodeType="tmRoot"/>
+      </p:par>
+    </p:tnLst>
+  </p:timing>
 </p:sld>
 </file>
 
@@ -13232,9 +16974,16 @@
   <p:clrMapOvr>
     <a:masterClrMapping/>
   </p:clrMapOvr>
-  <p:transition xmlns:p14="http://schemas.microsoft.com/office/powerpoint/2010/main" spd="med">
+  <p:transition spd="med">
     <p:fade/>
   </p:transition>
+  <p:timing>
+    <p:tnLst>
+      <p:par>
+        <p:cTn id="1" dur="indefinite" restart="never" nodeType="tmRoot"/>
+      </p:par>
+    </p:tnLst>
+  </p:timing>
 </p:sld>
 </file>
 
@@ -13313,13 +17062,13 @@
   <p:clrMapOvr>
     <a:masterClrMapping/>
   </p:clrMapOvr>
-  <p:transition xmlns:p14="http://schemas.microsoft.com/office/powerpoint/2010/main" spd="med">
+  <p:transition spd="med">
     <p:fade/>
   </p:transition>
   <p:timing>
     <p:tnLst>
       <p:par>
-        <p:cTn xmlns:p14="http://schemas.microsoft.com/office/powerpoint/2010/main" id="1" dur="indefinite" restart="never" nodeType="tmRoot"/>
+        <p:cTn id="1" dur="indefinite" restart="never" nodeType="tmRoot"/>
       </p:par>
     </p:tnLst>
   </p:timing>
@@ -13466,13 +17215,13 @@
   <p:clrMapOvr>
     <a:masterClrMapping/>
   </p:clrMapOvr>
-  <p:transition xmlns:p14="http://schemas.microsoft.com/office/powerpoint/2010/main" spd="med">
+  <p:transition spd="med">
     <p:fade/>
   </p:transition>
   <p:timing>
     <p:tnLst>
       <p:par>
-        <p:cTn xmlns:p14="http://schemas.microsoft.com/office/powerpoint/2010/main" id="1" dur="indefinite" restart="never" nodeType="tmRoot"/>
+        <p:cTn id="1" dur="indefinite" restart="never" nodeType="tmRoot"/>
       </p:par>
     </p:tnLst>
   </p:timing>
@@ -13558,7 +17307,6 @@
               <a:rPr lang="en-US" dirty="0"/>
               <a:t>2 directories, 2 files</a:t>
             </a:r>
-            <a:endParaRPr lang="en-US" dirty="0"/>
           </a:p>
         </p:txBody>
       </p:sp>
@@ -13642,13 +17390,13 @@
   <p:clrMapOvr>
     <a:masterClrMapping/>
   </p:clrMapOvr>
-  <p:transition xmlns:p14="http://schemas.microsoft.com/office/powerpoint/2010/main" spd="med">
+  <p:transition spd="med">
     <p:fade/>
   </p:transition>
   <p:timing>
     <p:tnLst>
       <p:par>
-        <p:cTn xmlns:p14="http://schemas.microsoft.com/office/powerpoint/2010/main" id="1" dur="indefinite" restart="never" nodeType="tmRoot"/>
+        <p:cTn id="1" dur="indefinite" restart="never" nodeType="tmRoot"/>
       </p:par>
     </p:tnLst>
   </p:timing>
@@ -13914,9 +17662,16 @@
   <p:clrMapOvr>
     <a:masterClrMapping/>
   </p:clrMapOvr>
-  <p:transition xmlns:p14="http://schemas.microsoft.com/office/powerpoint/2010/main" spd="med">
+  <p:transition spd="med">
     <p:fade/>
   </p:transition>
+  <p:timing>
+    <p:tnLst>
+      <p:par>
+        <p:cTn id="1" dur="indefinite" restart="never" nodeType="tmRoot"/>
+      </p:par>
+    </p:tnLst>
+  </p:timing>
 </p:sld>
 </file>
 
@@ -14066,9 +17821,16 @@
   <p:clrMapOvr>
     <a:masterClrMapping/>
   </p:clrMapOvr>
-  <p:transition xmlns:p14="http://schemas.microsoft.com/office/powerpoint/2010/main" spd="med">
+  <p:transition spd="med">
     <p:fade/>
   </p:transition>
+  <p:timing>
+    <p:tnLst>
+      <p:par>
+        <p:cTn id="1" dur="indefinite" restart="never" nodeType="tmRoot"/>
+      </p:par>
+    </p:tnLst>
+  </p:timing>
 </p:sld>
 </file>
 
@@ -14110,7 +17872,6 @@
               <a:rPr lang="en-US" dirty="0"/>
               <a:t>Faster Feedback While Developing Cookbooks</a:t>
             </a:r>
-            <a:endParaRPr lang="en-US" dirty="0"/>
           </a:p>
         </p:txBody>
       </p:sp>
@@ -14216,9 +17977,16 @@
   <p:clrMapOvr>
     <a:masterClrMapping/>
   </p:clrMapOvr>
-  <p:transition xmlns:p14="http://schemas.microsoft.com/office/powerpoint/2010/main" spd="med">
+  <p:transition spd="med">
     <p:fade/>
   </p:transition>
+  <p:timing>
+    <p:tnLst>
+      <p:par>
+        <p:cTn id="1" dur="indefinite" restart="never" nodeType="tmRoot"/>
+      </p:par>
+    </p:tnLst>
+  </p:timing>
 </p:sld>
 </file>
 
@@ -14474,9 +18242,16 @@
   <p:clrMapOvr>
     <a:masterClrMapping/>
   </p:clrMapOvr>
-  <p:transition xmlns:p14="http://schemas.microsoft.com/office/powerpoint/2010/main" spd="med">
+  <p:transition spd="med">
     <p:fade/>
   </p:transition>
+  <p:timing>
+    <p:tnLst>
+      <p:par>
+        <p:cTn id="1" dur="indefinite" restart="never" nodeType="tmRoot"/>
+      </p:par>
+    </p:tnLst>
+  </p:timing>
 </p:sld>
 </file>
 
@@ -14856,7 +18631,7 @@
   <a:extraClrSchemeLst/>
   <a:extLst>
     <a:ext uri="{05A4C25C-085E-4340-85A3-A5531E510DB2}">
-      <thm15:themeFamily xmlns="" xmlns:thm15="http://schemas.microsoft.com/office/thememl/2012/main" name="Chef-TemplateComps_v09-16x9-Light.potx" id="{078CEFDB-FA7A-4E36-9964-13EF367585CB}" vid="{8B87B0F3-7308-43D5-8388-E1B49EA02652}"/>
+      <thm15:themeFamily xmlns:thm15="http://schemas.microsoft.com/office/thememl/2012/main" name="Chef-TemplateComps_v09-16x9-Light.potx" id="{078CEFDB-FA7A-4E36-9964-13EF367585CB}" vid="{8B87B0F3-7308-43D5-8388-E1B49EA02652}"/>
     </a:ext>
   </a:extLst>
 </a:theme>
@@ -15238,7 +19013,7 @@
   <a:extraClrSchemeLst/>
   <a:extLst>
     <a:ext uri="{05A4C25C-085E-4340-85A3-A5531E510DB2}">
-      <thm15:themeFamily xmlns="" xmlns:thm15="http://schemas.microsoft.com/office/thememl/2012/main" name="Chef-TemplateComps_v09-16x9-Light.potx" id="{078CEFDB-FA7A-4E36-9964-13EF367585CB}" vid="{8B87B0F3-7308-43D5-8388-E1B49EA02652}"/>
+      <thm15:themeFamily xmlns:thm15="http://schemas.microsoft.com/office/thememl/2012/main" name="Chef-TemplateComps_v09-16x9-Light.potx" id="{078CEFDB-FA7A-4E36-9964-13EF367585CB}" vid="{8B87B0F3-7308-43D5-8388-E1B49EA02652}"/>
     </a:ext>
   </a:extLst>
 </a:theme>
@@ -15811,61 +19586,6 @@
 </file>
 
 <file path=customXml/item1.xml><?xml version="1.0" encoding="utf-8"?>
-<?mso-contentType ?>
-<spe:Receivers xmlns:spe="http://schemas.microsoft.com/sharepoint/events">
-  <Receiver>
-    <Name>Document ID Generator</Name>
-    <Synchronization>Synchronous</Synchronization>
-    <Type>10001</Type>
-    <SequenceNumber>1000</SequenceNumber>
-    <Assembly>Microsoft.Office.DocumentManagement, Version=14.0.0.0, Culture=neutral, PublicKeyToken=71e9bce111e9429c</Assembly>
-    <Class>Microsoft.Office.DocumentManagement.Internal.DocIdHandler</Class>
-    <Data/>
-    <Filter/>
-  </Receiver>
-  <Receiver>
-    <Name>Document ID Generator</Name>
-    <Synchronization>Synchronous</Synchronization>
-    <Type>10002</Type>
-    <SequenceNumber>1001</SequenceNumber>
-    <Assembly>Microsoft.Office.DocumentManagement, Version=14.0.0.0, Culture=neutral, PublicKeyToken=71e9bce111e9429c</Assembly>
-    <Class>Microsoft.Office.DocumentManagement.Internal.DocIdHandler</Class>
-    <Data/>
-    <Filter/>
-  </Receiver>
-  <Receiver>
-    <Name>Document ID Generator</Name>
-    <Synchronization>Synchronous</Synchronization>
-    <Type>10004</Type>
-    <SequenceNumber>1002</SequenceNumber>
-    <Assembly>Microsoft.Office.DocumentManagement, Version=14.0.0.0, Culture=neutral, PublicKeyToken=71e9bce111e9429c</Assembly>
-    <Class>Microsoft.Office.DocumentManagement.Internal.DocIdHandler</Class>
-    <Data/>
-    <Filter/>
-  </Receiver>
-  <Receiver>
-    <Name>Document ID Generator</Name>
-    <Synchronization>Synchronous</Synchronization>
-    <Type>10006</Type>
-    <SequenceNumber>1003</SequenceNumber>
-    <Assembly>Microsoft.Office.DocumentManagement, Version=14.0.0.0, Culture=neutral, PublicKeyToken=71e9bce111e9429c</Assembly>
-    <Class>Microsoft.Office.DocumentManagement.Internal.DocIdHandler</Class>
-    <Data/>
-    <Filter/>
-  </Receiver>
-</spe:Receivers>
-</file>
-
-<file path=customXml/item2.xml><?xml version="1.0" encoding="utf-8"?>
-<?mso-contentType ?>
-<FormTemplates xmlns="http://schemas.microsoft.com/sharepoint/v3/contenttype/forms">
-  <Display>DocumentLibraryForm</Display>
-  <Edit>DocumentLibraryForm</Edit>
-  <New>DocumentLibraryForm</New>
-</FormTemplates>
-</file>
-
-<file path=customXml/item3.xml><?xml version="1.0" encoding="utf-8"?>
 <p:properties xmlns:p="http://schemas.microsoft.com/office/2006/metadata/properties" xmlns:xsi="http://www.w3.org/2001/XMLSchema-instance" xmlns:pc="http://schemas.microsoft.com/office/infopath/2007/PartnerControls">
   <documentManagement>
     <_dlc_DocId xmlns="7bb5d761-a2ea-4873-95f7-7a6658fb3ef0">M4CWTKMW727E-592-73</_dlc_DocId>
@@ -15877,7 +19597,7 @@
 </p:properties>
 </file>
 
-<file path=customXml/item4.xml><?xml version="1.0" encoding="utf-8"?>
+<file path=customXml/item2.xml><?xml version="1.0" encoding="utf-8"?>
 <ct:contentTypeSchema xmlns:ct="http://schemas.microsoft.com/office/2006/metadata/contentType" xmlns:ma="http://schemas.microsoft.com/office/2006/metadata/properties/metaAttributes" ct:_="" ma:_="" ma:contentTypeName="Document" ma:contentTypeID="0x0101000812F700BE7F874999720E88173FE491" ma:contentTypeVersion="0" ma:contentTypeDescription="Create a new document." ma:contentTypeScope="" ma:versionID="3f79f408e2ca720b7aba6e0e32464d0c">
   <xsd:schema xmlns:xsd="http://www.w3.org/2001/XMLSchema" xmlns:xs="http://www.w3.org/2001/XMLSchema" xmlns:p="http://schemas.microsoft.com/office/2006/metadata/properties" xmlns:ns2="7bb5d761-a2ea-4873-95f7-7a6658fb3ef0" targetNamespace="http://schemas.microsoft.com/office/2006/metadata/properties" ma:root="true" ma:fieldsID="1e062cd38ba31e406bfc4340fbc7f87a" ns2:_="">
     <xsd:import namespace="7bb5d761-a2ea-4873-95f7-7a6658fb3ef0"/>
@@ -16022,23 +19742,62 @@
 </ct:contentTypeSchema>
 </file>
 
-<file path=customXml/itemProps1.xml><?xml version="1.0" encoding="utf-8"?>
-<ds:datastoreItem xmlns:ds="http://schemas.openxmlformats.org/officeDocument/2006/customXml" ds:itemID="{B13EBC30-FE27-4C6A-B723-23FC2188F7DC}">
-  <ds:schemaRefs>
-    <ds:schemaRef ds:uri="http://schemas.microsoft.com/sharepoint/events"/>
-  </ds:schemaRefs>
-</ds:datastoreItem>
+<file path=customXml/item3.xml><?xml version="1.0" encoding="utf-8"?>
+<?mso-contentType ?>
+<spe:Receivers xmlns:spe="http://schemas.microsoft.com/sharepoint/events">
+  <Receiver>
+    <Name>Document ID Generator</Name>
+    <Synchronization>Synchronous</Synchronization>
+    <Type>10001</Type>
+    <SequenceNumber>1000</SequenceNumber>
+    <Assembly>Microsoft.Office.DocumentManagement, Version=14.0.0.0, Culture=neutral, PublicKeyToken=71e9bce111e9429c</Assembly>
+    <Class>Microsoft.Office.DocumentManagement.Internal.DocIdHandler</Class>
+    <Data/>
+    <Filter/>
+  </Receiver>
+  <Receiver>
+    <Name>Document ID Generator</Name>
+    <Synchronization>Synchronous</Synchronization>
+    <Type>10002</Type>
+    <SequenceNumber>1001</SequenceNumber>
+    <Assembly>Microsoft.Office.DocumentManagement, Version=14.0.0.0, Culture=neutral, PublicKeyToken=71e9bce111e9429c</Assembly>
+    <Class>Microsoft.Office.DocumentManagement.Internal.DocIdHandler</Class>
+    <Data/>
+    <Filter/>
+  </Receiver>
+  <Receiver>
+    <Name>Document ID Generator</Name>
+    <Synchronization>Synchronous</Synchronization>
+    <Type>10004</Type>
+    <SequenceNumber>1002</SequenceNumber>
+    <Assembly>Microsoft.Office.DocumentManagement, Version=14.0.0.0, Culture=neutral, PublicKeyToken=71e9bce111e9429c</Assembly>
+    <Class>Microsoft.Office.DocumentManagement.Internal.DocIdHandler</Class>
+    <Data/>
+    <Filter/>
+  </Receiver>
+  <Receiver>
+    <Name>Document ID Generator</Name>
+    <Synchronization>Synchronous</Synchronization>
+    <Type>10006</Type>
+    <SequenceNumber>1003</SequenceNumber>
+    <Assembly>Microsoft.Office.DocumentManagement, Version=14.0.0.0, Culture=neutral, PublicKeyToken=71e9bce111e9429c</Assembly>
+    <Class>Microsoft.Office.DocumentManagement.Internal.DocIdHandler</Class>
+    <Data/>
+    <Filter/>
+  </Receiver>
+</spe:Receivers>
 </file>
 
-<file path=customXml/itemProps2.xml><?xml version="1.0" encoding="utf-8"?>
-<ds:datastoreItem xmlns:ds="http://schemas.openxmlformats.org/officeDocument/2006/customXml" ds:itemID="{5CDEB364-43EC-4510-9881-539C2A3FCE9E}">
-  <ds:schemaRefs>
-    <ds:schemaRef ds:uri="http://schemas.microsoft.com/sharepoint/v3/contenttype/forms"/>
-  </ds:schemaRefs>
-</ds:datastoreItem>
+<file path=customXml/item4.xml><?xml version="1.0" encoding="utf-8"?>
+<?mso-contentType ?>
+<FormTemplates xmlns="http://schemas.microsoft.com/sharepoint/v3/contenttype/forms">
+  <Display>DocumentLibraryForm</Display>
+  <Edit>DocumentLibraryForm</Edit>
+  <New>DocumentLibraryForm</New>
+</FormTemplates>
 </file>
 
-<file path=customXml/itemProps3.xml><?xml version="1.0" encoding="utf-8"?>
+<file path=customXml/itemProps1.xml><?xml version="1.0" encoding="utf-8"?>
 <ds:datastoreItem xmlns:ds="http://schemas.openxmlformats.org/officeDocument/2006/customXml" ds:itemID="{6921749B-AEB7-461B-845F-603CABD25259}">
   <ds:schemaRefs>
     <ds:schemaRef ds:uri="7bb5d761-a2ea-4873-95f7-7a6658fb3ef0"/>
@@ -16054,7 +19813,7 @@
 </ds:datastoreItem>
 </file>
 
-<file path=customXml/itemProps4.xml><?xml version="1.0" encoding="utf-8"?>
+<file path=customXml/itemProps2.xml><?xml version="1.0" encoding="utf-8"?>
 <ds:datastoreItem xmlns:ds="http://schemas.openxmlformats.org/officeDocument/2006/customXml" ds:itemID="{164479E5-0B02-49AC-B79E-EC1D6164DDD3}">
   <ds:schemaRefs>
     <ds:schemaRef ds:uri="http://schemas.microsoft.com/office/2006/metadata/contentType"/>
@@ -16070,4 +19829,20 @@
     <ds:schemaRef ds:uri="http://schemas.microsoft.com/internal/obd"/>
   </ds:schemaRefs>
 </ds:datastoreItem>
+</file>
+
+<file path=customXml/itemProps3.xml><?xml version="1.0" encoding="utf-8"?>
+<ds:datastoreItem xmlns:ds="http://schemas.openxmlformats.org/officeDocument/2006/customXml" ds:itemID="{B13EBC30-FE27-4C6A-B723-23FC2188F7DC}">
+  <ds:schemaRefs>
+    <ds:schemaRef ds:uri="http://schemas.microsoft.com/sharepoint/events"/>
+  </ds:schemaRefs>
+</ds:datastoreItem>
+</file>
+
+<file path=customXml/itemProps4.xml><?xml version="1.0" encoding="utf-8"?>
+<ds:datastoreItem xmlns:ds="http://schemas.openxmlformats.org/officeDocument/2006/customXml" ds:itemID="{5CDEB364-43EC-4510-9881-539C2A3FCE9E}">
+  <ds:schemaRefs>
+    <ds:schemaRef ds:uri="http://schemas.microsoft.com/sharepoint/v3/contenttype/forms"/>
+  </ds:schemaRefs>
+</ds:datastoreItem>
 </file>